--- a/presentation/Emergency Response System.pptx
+++ b/presentation/Emergency Response System.pptx
@@ -6,6 +6,11 @@
   </p:sldMasterIdLst>
   <p:sldIdLst>
     <p:sldId id="256" r:id="rId2"/>
+    <p:sldId id="257" r:id="rId3"/>
+    <p:sldId id="258" r:id="rId4"/>
+    <p:sldId id="259" r:id="rId5"/>
+    <p:sldId id="260" r:id="rId6"/>
+    <p:sldId id="261" r:id="rId7"/>
   </p:sldIdLst>
   <p:sldSz cx="9144000" cy="6858000" type="screen4x3"/>
   <p:notesSz cx="6858000" cy="9144000"/>
@@ -3437,6 +3442,566 @@
 </p:sld>
 </file>
 
+<file path=ppt/slides/slide2.xml><?xml version="1.0" encoding="utf-8"?>
+<p:sld xmlns:a="http://schemas.openxmlformats.org/drawingml/2006/main" xmlns:r="http://schemas.openxmlformats.org/officeDocument/2006/relationships" xmlns:p="http://schemas.openxmlformats.org/presentationml/2006/main">
+  <p:cSld>
+    <p:spTree>
+      <p:nvGrpSpPr>
+        <p:cNvPr id="1" name=""/>
+        <p:cNvGrpSpPr/>
+        <p:nvPr/>
+      </p:nvGrpSpPr>
+      <p:grpSpPr>
+        <a:xfrm>
+          <a:off x="0" y="0"/>
+          <a:ext cx="0" cy="0"/>
+          <a:chOff x="0" y="0"/>
+          <a:chExt cx="0" cy="0"/>
+        </a:xfrm>
+      </p:grpSpPr>
+      <p:sp>
+        <p:nvSpPr>
+          <p:cNvPr id="2" name="Title 1"/>
+          <p:cNvSpPr>
+            <a:spLocks noGrp="1"/>
+          </p:cNvSpPr>
+          <p:nvPr>
+            <p:ph type="ctrTitle"/>
+          </p:nvPr>
+        </p:nvSpPr>
+        <p:spPr>
+          <a:xfrm>
+            <a:off x="685800" y="609601"/>
+            <a:ext cx="7543800" cy="990599"/>
+          </a:xfrm>
+        </p:spPr>
+        <p:txBody>
+          <a:bodyPr/>
+          <a:lstStyle/>
+          <a:p>
+            <a:r>
+              <a:rPr lang="en-US" sz="4000" dirty="0" smtClean="0"/>
+              <a:t>Emergency Response System - Demo</a:t>
+            </a:r>
+            <a:endParaRPr lang="en-US" sz="4000" dirty="0"/>
+          </a:p>
+        </p:txBody>
+      </p:sp>
+      <p:sp>
+        <p:nvSpPr>
+          <p:cNvPr id="3" name="Subtitle 2"/>
+          <p:cNvSpPr>
+            <a:spLocks noGrp="1"/>
+          </p:cNvSpPr>
+          <p:nvPr>
+            <p:ph type="subTitle" idx="1"/>
+          </p:nvPr>
+        </p:nvSpPr>
+        <p:spPr>
+          <a:xfrm>
+            <a:off x="1219200" y="1981200"/>
+            <a:ext cx="6705600" cy="4191000"/>
+          </a:xfrm>
+        </p:spPr>
+        <p:txBody>
+          <a:bodyPr/>
+          <a:lstStyle/>
+          <a:p>
+            <a:pPr algn="l"/>
+            <a:r>
+              <a:rPr lang="en-US" dirty="0" smtClean="0"/>
+              <a:t>The demo system consists of four components</a:t>
+            </a:r>
+          </a:p>
+          <a:p>
+            <a:pPr algn="l"/>
+            <a:endParaRPr lang="en-US" dirty="0" smtClean="0"/>
+          </a:p>
+          <a:p>
+            <a:pPr marL="342900" indent="-342900" algn="l">
+              <a:buFont typeface="Arial" panose="020B0604020202020204" pitchFamily="34" charset="0"/>
+              <a:buChar char="•"/>
+            </a:pPr>
+            <a:r>
+              <a:rPr lang="en-US" dirty="0" err="1" smtClean="0"/>
+              <a:t>Arduino</a:t>
+            </a:r>
+            <a:r>
+              <a:rPr lang="en-US" dirty="0" smtClean="0"/>
+              <a:t> based emergency button</a:t>
+            </a:r>
+          </a:p>
+          <a:p>
+            <a:pPr marL="342900" indent="-342900" algn="l">
+              <a:buFont typeface="Arial" panose="020B0604020202020204" pitchFamily="34" charset="0"/>
+              <a:buChar char="•"/>
+            </a:pPr>
+            <a:r>
+              <a:rPr lang="en-US" dirty="0" smtClean="0"/>
+              <a:t>Mobile Service paired with button</a:t>
+            </a:r>
+          </a:p>
+          <a:p>
+            <a:pPr marL="342900" indent="-342900" algn="l">
+              <a:buFont typeface="Arial" panose="020B0604020202020204" pitchFamily="34" charset="0"/>
+              <a:buChar char="•"/>
+            </a:pPr>
+            <a:r>
+              <a:rPr lang="en-US" dirty="0" smtClean="0"/>
+              <a:t>SMS processing emergency response engine</a:t>
+            </a:r>
+          </a:p>
+          <a:p>
+            <a:pPr marL="342900" indent="-342900" algn="l">
+              <a:buFont typeface="Arial" panose="020B0604020202020204" pitchFamily="34" charset="0"/>
+              <a:buChar char="•"/>
+            </a:pPr>
+            <a:r>
+              <a:rPr lang="en-US" dirty="0" smtClean="0"/>
+              <a:t>Web interface to track the person in emergency. </a:t>
+            </a:r>
+            <a:endParaRPr lang="en-US" dirty="0"/>
+          </a:p>
+        </p:txBody>
+      </p:sp>
+    </p:spTree>
+    <p:extLst>
+      <p:ext uri="{BB962C8B-B14F-4D97-AF65-F5344CB8AC3E}">
+        <p14:creationId xmlns:p14="http://schemas.microsoft.com/office/powerpoint/2010/main" val="3040117031"/>
+      </p:ext>
+    </p:extLst>
+  </p:cSld>
+  <p:clrMapOvr>
+    <a:masterClrMapping/>
+  </p:clrMapOvr>
+</p:sld>
+</file>
+
+<file path=ppt/slides/slide3.xml><?xml version="1.0" encoding="utf-8"?>
+<p:sld xmlns:a="http://schemas.openxmlformats.org/drawingml/2006/main" xmlns:r="http://schemas.openxmlformats.org/officeDocument/2006/relationships" xmlns:p="http://schemas.openxmlformats.org/presentationml/2006/main">
+  <p:cSld>
+    <p:spTree>
+      <p:nvGrpSpPr>
+        <p:cNvPr id="1" name=""/>
+        <p:cNvGrpSpPr/>
+        <p:nvPr/>
+      </p:nvGrpSpPr>
+      <p:grpSpPr>
+        <a:xfrm>
+          <a:off x="0" y="0"/>
+          <a:ext cx="0" cy="0"/>
+          <a:chOff x="0" y="0"/>
+          <a:chExt cx="0" cy="0"/>
+        </a:xfrm>
+      </p:grpSpPr>
+      <p:sp>
+        <p:nvSpPr>
+          <p:cNvPr id="2" name="Title 1"/>
+          <p:cNvSpPr>
+            <a:spLocks noGrp="1"/>
+          </p:cNvSpPr>
+          <p:nvPr>
+            <p:ph type="ctrTitle"/>
+          </p:nvPr>
+        </p:nvSpPr>
+        <p:spPr>
+          <a:xfrm>
+            <a:off x="685800" y="609601"/>
+            <a:ext cx="7543800" cy="990599"/>
+          </a:xfrm>
+        </p:spPr>
+        <p:txBody>
+          <a:bodyPr/>
+          <a:lstStyle/>
+          <a:p>
+            <a:r>
+              <a:rPr lang="en-US" sz="4000" dirty="0" smtClean="0"/>
+              <a:t>Emergency Response System - Demo</a:t>
+            </a:r>
+            <a:endParaRPr lang="en-US" sz="4000" dirty="0"/>
+          </a:p>
+        </p:txBody>
+      </p:sp>
+      <p:sp>
+        <p:nvSpPr>
+          <p:cNvPr id="3" name="Subtitle 2"/>
+          <p:cNvSpPr>
+            <a:spLocks noGrp="1"/>
+          </p:cNvSpPr>
+          <p:nvPr>
+            <p:ph type="subTitle" idx="1"/>
+          </p:nvPr>
+        </p:nvSpPr>
+        <p:spPr>
+          <a:xfrm>
+            <a:off x="1219200" y="1981200"/>
+            <a:ext cx="6705600" cy="4191000"/>
+          </a:xfrm>
+        </p:spPr>
+        <p:txBody>
+          <a:bodyPr/>
+          <a:lstStyle/>
+          <a:p>
+            <a:pPr algn="l"/>
+            <a:r>
+              <a:rPr lang="en-US" dirty="0" smtClean="0"/>
+              <a:t>Emergency Button</a:t>
+            </a:r>
+          </a:p>
+          <a:p>
+            <a:pPr algn="l"/>
+            <a:endParaRPr lang="en-US" dirty="0"/>
+          </a:p>
+          <a:p>
+            <a:pPr algn="l"/>
+            <a:endParaRPr lang="en-US" dirty="0" smtClean="0"/>
+          </a:p>
+          <a:p>
+            <a:pPr algn="l"/>
+            <a:r>
+              <a:rPr lang="en-US" dirty="0" smtClean="0"/>
+              <a:t>[Insert Image of Button]</a:t>
+            </a:r>
+          </a:p>
+          <a:p>
+            <a:pPr algn="l"/>
+            <a:endParaRPr lang="en-US" dirty="0" smtClean="0"/>
+          </a:p>
+        </p:txBody>
+      </p:sp>
+    </p:spTree>
+    <p:extLst>
+      <p:ext uri="{BB962C8B-B14F-4D97-AF65-F5344CB8AC3E}">
+        <p14:creationId xmlns:p14="http://schemas.microsoft.com/office/powerpoint/2010/main" val="3172679140"/>
+      </p:ext>
+    </p:extLst>
+  </p:cSld>
+  <p:clrMapOvr>
+    <a:masterClrMapping/>
+  </p:clrMapOvr>
+</p:sld>
+</file>
+
+<file path=ppt/slides/slide4.xml><?xml version="1.0" encoding="utf-8"?>
+<p:sld xmlns:a="http://schemas.openxmlformats.org/drawingml/2006/main" xmlns:r="http://schemas.openxmlformats.org/officeDocument/2006/relationships" xmlns:p="http://schemas.openxmlformats.org/presentationml/2006/main">
+  <p:cSld>
+    <p:spTree>
+      <p:nvGrpSpPr>
+        <p:cNvPr id="1" name=""/>
+        <p:cNvGrpSpPr/>
+        <p:nvPr/>
+      </p:nvGrpSpPr>
+      <p:grpSpPr>
+        <a:xfrm>
+          <a:off x="0" y="0"/>
+          <a:ext cx="0" cy="0"/>
+          <a:chOff x="0" y="0"/>
+          <a:chExt cx="0" cy="0"/>
+        </a:xfrm>
+      </p:grpSpPr>
+      <p:sp>
+        <p:nvSpPr>
+          <p:cNvPr id="2" name="Title 1"/>
+          <p:cNvSpPr>
+            <a:spLocks noGrp="1"/>
+          </p:cNvSpPr>
+          <p:nvPr>
+            <p:ph type="ctrTitle"/>
+          </p:nvPr>
+        </p:nvSpPr>
+        <p:spPr>
+          <a:xfrm>
+            <a:off x="685800" y="609601"/>
+            <a:ext cx="7543800" cy="990599"/>
+          </a:xfrm>
+        </p:spPr>
+        <p:txBody>
+          <a:bodyPr/>
+          <a:lstStyle/>
+          <a:p>
+            <a:r>
+              <a:rPr lang="en-US" sz="4000" dirty="0" smtClean="0"/>
+              <a:t>Emergency Response System - Demo</a:t>
+            </a:r>
+            <a:endParaRPr lang="en-US" sz="4000" dirty="0"/>
+          </a:p>
+        </p:txBody>
+      </p:sp>
+      <p:sp>
+        <p:nvSpPr>
+          <p:cNvPr id="3" name="Subtitle 2"/>
+          <p:cNvSpPr>
+            <a:spLocks noGrp="1"/>
+          </p:cNvSpPr>
+          <p:nvPr>
+            <p:ph type="subTitle" idx="1"/>
+          </p:nvPr>
+        </p:nvSpPr>
+        <p:spPr>
+          <a:xfrm>
+            <a:off x="1219200" y="1981200"/>
+            <a:ext cx="6705600" cy="4191000"/>
+          </a:xfrm>
+        </p:spPr>
+        <p:txBody>
+          <a:bodyPr/>
+          <a:lstStyle/>
+          <a:p>
+            <a:pPr algn="l"/>
+            <a:r>
+              <a:rPr lang="en-US" dirty="0" smtClean="0"/>
+              <a:t>Mobile Service</a:t>
+            </a:r>
+          </a:p>
+          <a:p>
+            <a:pPr algn="l"/>
+            <a:endParaRPr lang="en-US" dirty="0"/>
+          </a:p>
+          <a:p>
+            <a:pPr algn="l"/>
+            <a:endParaRPr lang="en-US" dirty="0" smtClean="0"/>
+          </a:p>
+          <a:p>
+            <a:pPr algn="l"/>
+            <a:r>
+              <a:rPr lang="en-US" dirty="0" smtClean="0"/>
+              <a:t>[Insert Image of Mobile Service]</a:t>
+            </a:r>
+          </a:p>
+          <a:p>
+            <a:pPr algn="l"/>
+            <a:endParaRPr lang="en-US" dirty="0" smtClean="0"/>
+          </a:p>
+        </p:txBody>
+      </p:sp>
+    </p:spTree>
+    <p:extLst>
+      <p:ext uri="{BB962C8B-B14F-4D97-AF65-F5344CB8AC3E}">
+        <p14:creationId xmlns:p14="http://schemas.microsoft.com/office/powerpoint/2010/main" val="4242563799"/>
+      </p:ext>
+    </p:extLst>
+  </p:cSld>
+  <p:clrMapOvr>
+    <a:masterClrMapping/>
+  </p:clrMapOvr>
+</p:sld>
+</file>
+
+<file path=ppt/slides/slide5.xml><?xml version="1.0" encoding="utf-8"?>
+<p:sld xmlns:a="http://schemas.openxmlformats.org/drawingml/2006/main" xmlns:r="http://schemas.openxmlformats.org/officeDocument/2006/relationships" xmlns:p="http://schemas.openxmlformats.org/presentationml/2006/main">
+  <p:cSld>
+    <p:spTree>
+      <p:nvGrpSpPr>
+        <p:cNvPr id="1" name=""/>
+        <p:cNvGrpSpPr/>
+        <p:nvPr/>
+      </p:nvGrpSpPr>
+      <p:grpSpPr>
+        <a:xfrm>
+          <a:off x="0" y="0"/>
+          <a:ext cx="0" cy="0"/>
+          <a:chOff x="0" y="0"/>
+          <a:chExt cx="0" cy="0"/>
+        </a:xfrm>
+      </p:grpSpPr>
+      <p:sp>
+        <p:nvSpPr>
+          <p:cNvPr id="2" name="Title 1"/>
+          <p:cNvSpPr>
+            <a:spLocks noGrp="1"/>
+          </p:cNvSpPr>
+          <p:nvPr>
+            <p:ph type="ctrTitle"/>
+          </p:nvPr>
+        </p:nvSpPr>
+        <p:spPr>
+          <a:xfrm>
+            <a:off x="685800" y="609601"/>
+            <a:ext cx="7543800" cy="990599"/>
+          </a:xfrm>
+        </p:spPr>
+        <p:txBody>
+          <a:bodyPr/>
+          <a:lstStyle/>
+          <a:p>
+            <a:r>
+              <a:rPr lang="en-US" sz="4000" dirty="0" smtClean="0"/>
+              <a:t>Emergency Response System - Demo</a:t>
+            </a:r>
+            <a:endParaRPr lang="en-US" sz="4000" dirty="0"/>
+          </a:p>
+        </p:txBody>
+      </p:sp>
+      <p:sp>
+        <p:nvSpPr>
+          <p:cNvPr id="3" name="Subtitle 2"/>
+          <p:cNvSpPr>
+            <a:spLocks noGrp="1"/>
+          </p:cNvSpPr>
+          <p:nvPr>
+            <p:ph type="subTitle" idx="1"/>
+          </p:nvPr>
+        </p:nvSpPr>
+        <p:spPr>
+          <a:xfrm>
+            <a:off x="1219200" y="1981200"/>
+            <a:ext cx="6705600" cy="4191000"/>
+          </a:xfrm>
+        </p:spPr>
+        <p:txBody>
+          <a:bodyPr/>
+          <a:lstStyle/>
+          <a:p>
+            <a:pPr algn="l"/>
+            <a:r>
+              <a:rPr lang="en-US" dirty="0" smtClean="0"/>
+              <a:t>SMS Processing Engine</a:t>
+            </a:r>
+          </a:p>
+          <a:p>
+            <a:pPr algn="l"/>
+            <a:endParaRPr lang="en-US" dirty="0"/>
+          </a:p>
+          <a:p>
+            <a:pPr algn="l"/>
+            <a:endParaRPr lang="en-US" dirty="0" smtClean="0"/>
+          </a:p>
+          <a:p>
+            <a:pPr algn="l"/>
+            <a:r>
+              <a:rPr lang="en-US" dirty="0" smtClean="0"/>
+              <a:t>[Insert Image of SMS Engine]</a:t>
+            </a:r>
+          </a:p>
+          <a:p>
+            <a:pPr algn="l"/>
+            <a:endParaRPr lang="en-US" dirty="0" smtClean="0"/>
+          </a:p>
+        </p:txBody>
+      </p:sp>
+    </p:spTree>
+    <p:extLst>
+      <p:ext uri="{BB962C8B-B14F-4D97-AF65-F5344CB8AC3E}">
+        <p14:creationId xmlns:p14="http://schemas.microsoft.com/office/powerpoint/2010/main" val="4242563799"/>
+      </p:ext>
+    </p:extLst>
+  </p:cSld>
+  <p:clrMapOvr>
+    <a:masterClrMapping/>
+  </p:clrMapOvr>
+</p:sld>
+</file>
+
+<file path=ppt/slides/slide6.xml><?xml version="1.0" encoding="utf-8"?>
+<p:sld xmlns:a="http://schemas.openxmlformats.org/drawingml/2006/main" xmlns:r="http://schemas.openxmlformats.org/officeDocument/2006/relationships" xmlns:p="http://schemas.openxmlformats.org/presentationml/2006/main">
+  <p:cSld>
+    <p:spTree>
+      <p:nvGrpSpPr>
+        <p:cNvPr id="1" name=""/>
+        <p:cNvGrpSpPr/>
+        <p:nvPr/>
+      </p:nvGrpSpPr>
+      <p:grpSpPr>
+        <a:xfrm>
+          <a:off x="0" y="0"/>
+          <a:ext cx="0" cy="0"/>
+          <a:chOff x="0" y="0"/>
+          <a:chExt cx="0" cy="0"/>
+        </a:xfrm>
+      </p:grpSpPr>
+      <p:sp>
+        <p:nvSpPr>
+          <p:cNvPr id="2" name="Title 1"/>
+          <p:cNvSpPr>
+            <a:spLocks noGrp="1"/>
+          </p:cNvSpPr>
+          <p:nvPr>
+            <p:ph type="ctrTitle"/>
+          </p:nvPr>
+        </p:nvSpPr>
+        <p:spPr>
+          <a:xfrm>
+            <a:off x="685800" y="609601"/>
+            <a:ext cx="7543800" cy="990599"/>
+          </a:xfrm>
+        </p:spPr>
+        <p:txBody>
+          <a:bodyPr/>
+          <a:lstStyle/>
+          <a:p>
+            <a:r>
+              <a:rPr lang="en-US" sz="4000" dirty="0" smtClean="0"/>
+              <a:t>Emergency Response System - Demo</a:t>
+            </a:r>
+            <a:endParaRPr lang="en-US" sz="4000" dirty="0"/>
+          </a:p>
+        </p:txBody>
+      </p:sp>
+      <p:sp>
+        <p:nvSpPr>
+          <p:cNvPr id="3" name="Subtitle 2"/>
+          <p:cNvSpPr>
+            <a:spLocks noGrp="1"/>
+          </p:cNvSpPr>
+          <p:nvPr>
+            <p:ph type="subTitle" idx="1"/>
+          </p:nvPr>
+        </p:nvSpPr>
+        <p:spPr>
+          <a:xfrm>
+            <a:off x="1219200" y="1981200"/>
+            <a:ext cx="6705600" cy="4191000"/>
+          </a:xfrm>
+        </p:spPr>
+        <p:txBody>
+          <a:bodyPr/>
+          <a:lstStyle/>
+          <a:p>
+            <a:pPr algn="l"/>
+            <a:r>
+              <a:rPr lang="en-US" dirty="0" smtClean="0"/>
+              <a:t>User Interface</a:t>
+            </a:r>
+          </a:p>
+          <a:p>
+            <a:pPr algn="l"/>
+            <a:endParaRPr lang="en-US" dirty="0"/>
+          </a:p>
+          <a:p>
+            <a:pPr algn="l"/>
+            <a:endParaRPr lang="en-US" dirty="0" smtClean="0"/>
+          </a:p>
+          <a:p>
+            <a:pPr algn="l"/>
+            <a:r>
+              <a:rPr lang="en-US" dirty="0" smtClean="0"/>
+              <a:t>[Insert Image </a:t>
+            </a:r>
+            <a:r>
+              <a:rPr lang="en-US" smtClean="0"/>
+              <a:t>of UI]</a:t>
+            </a:r>
+            <a:endParaRPr lang="en-US" dirty="0" smtClean="0"/>
+          </a:p>
+          <a:p>
+            <a:pPr algn="l"/>
+            <a:endParaRPr lang="en-US" dirty="0" smtClean="0"/>
+          </a:p>
+        </p:txBody>
+      </p:sp>
+    </p:spTree>
+    <p:extLst>
+      <p:ext uri="{BB962C8B-B14F-4D97-AF65-F5344CB8AC3E}">
+        <p14:creationId xmlns:p14="http://schemas.microsoft.com/office/powerpoint/2010/main" val="4242563799"/>
+      </p:ext>
+    </p:extLst>
+  </p:cSld>
+  <p:clrMapOvr>
+    <a:masterClrMapping/>
+  </p:clrMapOvr>
+</p:sld>
+</file>
+
 <file path=ppt/theme/theme1.xml><?xml version="1.0" encoding="utf-8"?>
 <a:theme xmlns:a="http://schemas.openxmlformats.org/drawingml/2006/main" name="Executive">
   <a:themeElements>

--- a/presentation/Emergency Response System.pptx
+++ b/presentation/Emergency Response System.pptx
@@ -7,10 +7,14 @@
   <p:sldIdLst>
     <p:sldId id="256" r:id="rId2"/>
     <p:sldId id="257" r:id="rId3"/>
-    <p:sldId id="258" r:id="rId4"/>
-    <p:sldId id="259" r:id="rId5"/>
-    <p:sldId id="260" r:id="rId6"/>
-    <p:sldId id="261" r:id="rId7"/>
+    <p:sldId id="262" r:id="rId4"/>
+    <p:sldId id="258" r:id="rId5"/>
+    <p:sldId id="259" r:id="rId6"/>
+    <p:sldId id="260" r:id="rId7"/>
+    <p:sldId id="261" r:id="rId8"/>
+    <p:sldId id="265" r:id="rId9"/>
+    <p:sldId id="264" r:id="rId10"/>
+    <p:sldId id="263" r:id="rId11"/>
   </p:sldIdLst>
   <p:sldSz cx="9144000" cy="6858000" type="screen4x3"/>
   <p:notesSz cx="6858000" cy="9144000"/>
@@ -304,7 +308,7 @@
           <a:p>
             <a:fld id="{77CD6E0A-C629-4BA3-8273-80884DF67003}" type="datetimeFigureOut">
               <a:rPr lang="en-US" smtClean="0"/>
-              <a:t>04 Dec, 2013</a:t>
+              <a:t>05 Dec, 2013</a:t>
             </a:fld>
             <a:endParaRPr lang="en-US"/>
           </a:p>
@@ -469,7 +473,7 @@
           <a:p>
             <a:fld id="{77CD6E0A-C629-4BA3-8273-80884DF67003}" type="datetimeFigureOut">
               <a:rPr lang="en-US" smtClean="0"/>
-              <a:t>04 Dec, 2013</a:t>
+              <a:t>05 Dec, 2013</a:t>
             </a:fld>
             <a:endParaRPr lang="en-US"/>
           </a:p>
@@ -644,7 +648,7 @@
           <a:p>
             <a:fld id="{77CD6E0A-C629-4BA3-8273-80884DF67003}" type="datetimeFigureOut">
               <a:rPr lang="en-US" smtClean="0"/>
-              <a:t>04 Dec, 2013</a:t>
+              <a:t>05 Dec, 2013</a:t>
             </a:fld>
             <a:endParaRPr lang="en-US"/>
           </a:p>
@@ -827,7 +831,7 @@
           <a:p>
             <a:fld id="{77CD6E0A-C629-4BA3-8273-80884DF67003}" type="datetimeFigureOut">
               <a:rPr lang="en-US" smtClean="0"/>
-              <a:t>04 Dec, 2013</a:t>
+              <a:t>05 Dec, 2013</a:t>
             </a:fld>
             <a:endParaRPr lang="en-US"/>
           </a:p>
@@ -1089,7 +1093,7 @@
           <a:p>
             <a:fld id="{77CD6E0A-C629-4BA3-8273-80884DF67003}" type="datetimeFigureOut">
               <a:rPr lang="en-US" smtClean="0"/>
-              <a:t>04 Dec, 2013</a:t>
+              <a:t>05 Dec, 2013</a:t>
             </a:fld>
             <a:endParaRPr lang="en-US"/>
           </a:p>
@@ -1437,7 +1441,7 @@
           <a:p>
             <a:fld id="{77CD6E0A-C629-4BA3-8273-80884DF67003}" type="datetimeFigureOut">
               <a:rPr lang="en-US" smtClean="0"/>
-              <a:t>04 Dec, 2013</a:t>
+              <a:t>05 Dec, 2013</a:t>
             </a:fld>
             <a:endParaRPr lang="en-US"/>
           </a:p>
@@ -1745,7 +1749,7 @@
           <a:p>
             <a:fld id="{77CD6E0A-C629-4BA3-8273-80884DF67003}" type="datetimeFigureOut">
               <a:rPr lang="en-US" smtClean="0"/>
-              <a:t>04 Dec, 2013</a:t>
+              <a:t>05 Dec, 2013</a:t>
             </a:fld>
             <a:endParaRPr lang="en-US"/>
           </a:p>
@@ -1972,7 +1976,7 @@
           <a:p>
             <a:fld id="{77CD6E0A-C629-4BA3-8273-80884DF67003}" type="datetimeFigureOut">
               <a:rPr lang="en-US" smtClean="0"/>
-              <a:t>04 Dec, 2013</a:t>
+              <a:t>05 Dec, 2013</a:t>
             </a:fld>
             <a:endParaRPr lang="en-US"/>
           </a:p>
@@ -2062,7 +2066,7 @@
           <a:p>
             <a:fld id="{77CD6E0A-C629-4BA3-8273-80884DF67003}" type="datetimeFigureOut">
               <a:rPr lang="en-US" smtClean="0"/>
-              <a:t>04 Dec, 2013</a:t>
+              <a:t>05 Dec, 2013</a:t>
             </a:fld>
             <a:endParaRPr lang="en-US"/>
           </a:p>
@@ -2350,7 +2354,7 @@
           <a:p>
             <a:fld id="{77CD6E0A-C629-4BA3-8273-80884DF67003}" type="datetimeFigureOut">
               <a:rPr lang="en-US" smtClean="0"/>
-              <a:t>04 Dec, 2013</a:t>
+              <a:t>05 Dec, 2013</a:t>
             </a:fld>
             <a:endParaRPr lang="en-US"/>
           </a:p>
@@ -2619,7 +2623,7 @@
           <a:p>
             <a:fld id="{77CD6E0A-C629-4BA3-8273-80884DF67003}" type="datetimeFigureOut">
               <a:rPr lang="en-US" smtClean="0"/>
-              <a:t>04 Dec, 2013</a:t>
+              <a:t>05 Dec, 2013</a:t>
             </a:fld>
             <a:endParaRPr lang="en-US"/>
           </a:p>
@@ -2829,7 +2833,7 @@
           <a:p>
             <a:fld id="{77CD6E0A-C629-4BA3-8273-80884DF67003}" type="datetimeFigureOut">
               <a:rPr lang="en-US" smtClean="0"/>
-              <a:t>04 Dec, 2013</a:t>
+              <a:t>05 Dec, 2013</a:t>
             </a:fld>
             <a:endParaRPr lang="en-US"/>
           </a:p>
@@ -3439,6 +3443,172 @@
   <p:clrMapOvr>
     <a:masterClrMapping/>
   </p:clrMapOvr>
+  <p:timing>
+    <p:tnLst>
+      <p:par>
+        <p:cTn id="1" dur="indefinite" restart="never" nodeType="tmRoot"/>
+      </p:par>
+    </p:tnLst>
+  </p:timing>
+</p:sld>
+</file>
+
+<file path=ppt/slides/slide10.xml><?xml version="1.0" encoding="utf-8"?>
+<p:sld xmlns:a="http://schemas.openxmlformats.org/drawingml/2006/main" xmlns:r="http://schemas.openxmlformats.org/officeDocument/2006/relationships" xmlns:p="http://schemas.openxmlformats.org/presentationml/2006/main">
+  <p:cSld>
+    <p:spTree>
+      <p:nvGrpSpPr>
+        <p:cNvPr id="1" name=""/>
+        <p:cNvGrpSpPr/>
+        <p:nvPr/>
+      </p:nvGrpSpPr>
+      <p:grpSpPr>
+        <a:xfrm>
+          <a:off x="0" y="0"/>
+          <a:ext cx="0" cy="0"/>
+          <a:chOff x="0" y="0"/>
+          <a:chExt cx="0" cy="0"/>
+        </a:xfrm>
+      </p:grpSpPr>
+      <p:sp>
+        <p:nvSpPr>
+          <p:cNvPr id="2" name="Title 1"/>
+          <p:cNvSpPr>
+            <a:spLocks noGrp="1"/>
+          </p:cNvSpPr>
+          <p:nvPr>
+            <p:ph type="ctrTitle"/>
+          </p:nvPr>
+        </p:nvSpPr>
+        <p:spPr>
+          <a:xfrm>
+            <a:off x="685800" y="609601"/>
+            <a:ext cx="7543800" cy="990599"/>
+          </a:xfrm>
+        </p:spPr>
+        <p:txBody>
+          <a:bodyPr/>
+          <a:lstStyle/>
+          <a:p>
+            <a:r>
+              <a:rPr lang="en-US" sz="4000" dirty="0" smtClean="0"/>
+              <a:t>Emergency Response </a:t>
+            </a:r>
+            <a:r>
+              <a:rPr lang="en-US" sz="4000" dirty="0" smtClean="0"/>
+              <a:t>System</a:t>
+            </a:r>
+            <a:endParaRPr lang="en-US" sz="4000" dirty="0"/>
+          </a:p>
+        </p:txBody>
+      </p:sp>
+      <p:sp>
+        <p:nvSpPr>
+          <p:cNvPr id="3" name="Subtitle 2"/>
+          <p:cNvSpPr>
+            <a:spLocks noGrp="1"/>
+          </p:cNvSpPr>
+          <p:nvPr>
+            <p:ph type="subTitle" idx="1"/>
+          </p:nvPr>
+        </p:nvSpPr>
+        <p:spPr>
+          <a:xfrm>
+            <a:off x="1219200" y="1981200"/>
+            <a:ext cx="6705600" cy="4191000"/>
+          </a:xfrm>
+        </p:spPr>
+        <p:txBody>
+          <a:bodyPr/>
+          <a:lstStyle/>
+          <a:p>
+            <a:pPr marL="457200" indent="-457200" algn="l">
+              <a:buFont typeface="+mj-lt"/>
+              <a:buAutoNum type="arabicPeriod"/>
+            </a:pPr>
+            <a:r>
+              <a:rPr lang="en-US" dirty="0" smtClean="0"/>
+              <a:t>System cost was around </a:t>
+            </a:r>
+            <a:r>
+              <a:rPr lang="en-US" b="1" dirty="0" smtClean="0"/>
+              <a:t>60$</a:t>
+            </a:r>
+          </a:p>
+          <a:p>
+            <a:pPr marL="457200" indent="-457200" algn="l">
+              <a:buFont typeface="+mj-lt"/>
+              <a:buAutoNum type="arabicPeriod"/>
+            </a:pPr>
+            <a:r>
+              <a:rPr lang="en-US" dirty="0" smtClean="0"/>
+              <a:t>Everyone uses mobile phones these days. </a:t>
+            </a:r>
+            <a:r>
+              <a:rPr lang="en-US" b="1" dirty="0" smtClean="0"/>
+              <a:t>No extra hardware</a:t>
+            </a:r>
+            <a:r>
+              <a:rPr lang="en-US" dirty="0" smtClean="0"/>
+              <a:t> required.</a:t>
+            </a:r>
+          </a:p>
+          <a:p>
+            <a:pPr marL="457200" indent="-457200" algn="l">
+              <a:buFont typeface="+mj-lt"/>
+              <a:buAutoNum type="arabicPeriod"/>
+            </a:pPr>
+            <a:r>
+              <a:rPr lang="en-US" dirty="0" smtClean="0"/>
+              <a:t>The SMS processing backend is lightweight and </a:t>
+            </a:r>
+            <a:r>
+              <a:rPr lang="en-US" b="1" dirty="0" smtClean="0"/>
+              <a:t>extremely scalable</a:t>
+            </a:r>
+            <a:r>
+              <a:rPr lang="en-US" dirty="0" smtClean="0"/>
+              <a:t>.</a:t>
+            </a:r>
+          </a:p>
+          <a:p>
+            <a:pPr marL="457200" indent="-457200" algn="l">
+              <a:buFont typeface="+mj-lt"/>
+              <a:buAutoNum type="arabicPeriod"/>
+            </a:pPr>
+            <a:r>
+              <a:rPr lang="en-US" dirty="0" smtClean="0"/>
+              <a:t>Emergency messages reaches authorities within </a:t>
+            </a:r>
+            <a:r>
+              <a:rPr lang="en-US" b="1" dirty="0" smtClean="0"/>
+              <a:t>40 seconds </a:t>
+            </a:r>
+            <a:r>
+              <a:rPr lang="en-US" dirty="0" smtClean="0"/>
+              <a:t>of pushing button.</a:t>
+            </a:r>
+            <a:endParaRPr lang="en-US" dirty="0"/>
+          </a:p>
+        </p:txBody>
+      </p:sp>
+    </p:spTree>
+    <p:extLst>
+      <p:ext uri="{BB962C8B-B14F-4D97-AF65-F5344CB8AC3E}">
+        <p14:creationId xmlns:p14="http://schemas.microsoft.com/office/powerpoint/2010/main" val="2837952244"/>
+      </p:ext>
+    </p:extLst>
+  </p:cSld>
+  <p:clrMapOvr>
+    <a:masterClrMapping/>
+  </p:clrMapOvr>
+  <p:timing>
+    <p:tnLst>
+      <p:par>
+        <p:cTn id="1" dur="indefinite" restart="never" nodeType="tmRoot"/>
+      </p:par>
+    </p:tnLst>
+  </p:timing>
 </p:sld>
 </file>
 
@@ -3481,7 +3651,11 @@
           <a:p>
             <a:r>
               <a:rPr lang="en-US" sz="4000" dirty="0" smtClean="0"/>
-              <a:t>Emergency Response System - Demo</a:t>
+              <a:t>Emergency Response System - </a:t>
+            </a:r>
+            <a:r>
+              <a:rPr lang="en-US" sz="4000" dirty="0" smtClean="0"/>
+              <a:t>Motivation</a:t>
             </a:r>
             <a:endParaRPr lang="en-US" sz="4000" dirty="0"/>
           </a:p>
@@ -3510,7 +3684,7 @@
             <a:pPr algn="l"/>
             <a:r>
               <a:rPr lang="en-US" dirty="0" smtClean="0"/>
-              <a:t>The demo system consists of four components</a:t>
+              <a:t>Create a fast and efficient Emergency Response System which is </a:t>
             </a:r>
           </a:p>
           <a:p>
@@ -3518,48 +3692,47 @@
             <a:endParaRPr lang="en-US" dirty="0" smtClean="0"/>
           </a:p>
           <a:p>
-            <a:pPr marL="342900" indent="-342900" algn="l">
-              <a:buFont typeface="Arial" panose="020B0604020202020204" pitchFamily="34" charset="0"/>
-              <a:buChar char="•"/>
+            <a:pPr marL="457200" indent="-457200" algn="l">
+              <a:buFont typeface="+mj-lt"/>
+              <a:buAutoNum type="arabicPeriod"/>
             </a:pPr>
             <a:r>
-              <a:rPr lang="en-US" dirty="0" err="1" smtClean="0"/>
-              <a:t>Arduino</a:t>
-            </a:r>
-            <a:r>
               <a:rPr lang="en-US" dirty="0" smtClean="0"/>
-              <a:t> based emergency button</a:t>
-            </a:r>
-          </a:p>
-          <a:p>
-            <a:pPr marL="342900" indent="-342900" algn="l">
-              <a:buFont typeface="Arial" panose="020B0604020202020204" pitchFamily="34" charset="0"/>
-              <a:buChar char="•"/>
+              <a:t>Easy to use</a:t>
+            </a:r>
+          </a:p>
+          <a:p>
+            <a:pPr marL="457200" indent="-457200" algn="l">
+              <a:buFont typeface="+mj-lt"/>
+              <a:buAutoNum type="arabicPeriod"/>
             </a:pPr>
             <a:r>
               <a:rPr lang="en-US" dirty="0" smtClean="0"/>
-              <a:t>Mobile Service paired with button</a:t>
-            </a:r>
-          </a:p>
-          <a:p>
-            <a:pPr marL="342900" indent="-342900" algn="l">
-              <a:buFont typeface="Arial" panose="020B0604020202020204" pitchFamily="34" charset="0"/>
-              <a:buChar char="•"/>
+              <a:t>On the body of the user</a:t>
+            </a:r>
+          </a:p>
+          <a:p>
+            <a:pPr marL="457200" indent="-457200" algn="l">
+              <a:buFont typeface="+mj-lt"/>
+              <a:buAutoNum type="arabicPeriod"/>
             </a:pPr>
             <a:r>
               <a:rPr lang="en-US" dirty="0" smtClean="0"/>
-              <a:t>SMS processing emergency response engine</a:t>
-            </a:r>
-          </a:p>
-          <a:p>
-            <a:pPr marL="342900" indent="-342900" algn="l">
-              <a:buFont typeface="Arial" panose="020B0604020202020204" pitchFamily="34" charset="0"/>
-              <a:buChar char="•"/>
+              <a:t>Does not require installation of devices</a:t>
+            </a:r>
+          </a:p>
+          <a:p>
+            <a:pPr marL="457200" indent="-457200" algn="l">
+              <a:buFont typeface="+mj-lt"/>
+              <a:buAutoNum type="arabicPeriod"/>
             </a:pPr>
             <a:r>
               <a:rPr lang="en-US" dirty="0" smtClean="0"/>
-              <a:t>Web interface to track the person in emergency. </a:t>
-            </a:r>
+              <a:t>Inexpensive</a:t>
+            </a:r>
+          </a:p>
+          <a:p>
+            <a:pPr algn="l"/>
             <a:endParaRPr lang="en-US" dirty="0"/>
           </a:p>
         </p:txBody>
@@ -3574,6 +3747,13 @@
   <p:clrMapOvr>
     <a:masterClrMapping/>
   </p:clrMapOvr>
+  <p:timing>
+    <p:tnLst>
+      <p:par>
+        <p:cTn id="1" dur="indefinite" restart="never" nodeType="tmRoot"/>
+      </p:par>
+    </p:tnLst>
+  </p:timing>
 </p:sld>
 </file>
 
@@ -3645,40 +3825,85 @@
             <a:pPr algn="l"/>
             <a:r>
               <a:rPr lang="en-US" dirty="0" smtClean="0"/>
-              <a:t>Emergency Button</a:t>
-            </a:r>
-          </a:p>
-          <a:p>
-            <a:pPr algn="l"/>
-            <a:endParaRPr lang="en-US" dirty="0"/>
+              <a:t>The demo system consists of </a:t>
+            </a:r>
+            <a:r>
+              <a:rPr lang="en-US" b="1" dirty="0" smtClean="0"/>
+              <a:t>four</a:t>
+            </a:r>
+            <a:r>
+              <a:rPr lang="en-US" dirty="0" smtClean="0"/>
+              <a:t> components</a:t>
+            </a:r>
           </a:p>
           <a:p>
             <a:pPr algn="l"/>
             <a:endParaRPr lang="en-US" dirty="0" smtClean="0"/>
           </a:p>
           <a:p>
-            <a:pPr algn="l"/>
+            <a:pPr marL="342900" indent="-342900" algn="l">
+              <a:buFont typeface="Arial" panose="020B0604020202020204" pitchFamily="34" charset="0"/>
+              <a:buChar char="•"/>
+            </a:pPr>
+            <a:r>
+              <a:rPr lang="en-US" dirty="0" err="1" smtClean="0"/>
+              <a:t>Arduino</a:t>
+            </a:r>
             <a:r>
               <a:rPr lang="en-US" dirty="0" smtClean="0"/>
-              <a:t>[Insert Image of Button]</a:t>
-            </a:r>
-          </a:p>
-          <a:p>
-            <a:pPr algn="l"/>
-            <a:endParaRPr lang="en-US" dirty="0" smtClean="0"/>
+              <a:t> based emergency button</a:t>
+            </a:r>
+          </a:p>
+          <a:p>
+            <a:pPr marL="342900" indent="-342900" algn="l">
+              <a:buFont typeface="Arial" panose="020B0604020202020204" pitchFamily="34" charset="0"/>
+              <a:buChar char="•"/>
+            </a:pPr>
+            <a:r>
+              <a:rPr lang="en-US" dirty="0" smtClean="0"/>
+              <a:t>Mobile Service paired with button</a:t>
+            </a:r>
+          </a:p>
+          <a:p>
+            <a:pPr marL="342900" indent="-342900" algn="l">
+              <a:buFont typeface="Arial" panose="020B0604020202020204" pitchFamily="34" charset="0"/>
+              <a:buChar char="•"/>
+            </a:pPr>
+            <a:r>
+              <a:rPr lang="en-US" dirty="0" smtClean="0"/>
+              <a:t>SMS processing emergency response engine</a:t>
+            </a:r>
+          </a:p>
+          <a:p>
+            <a:pPr marL="342900" indent="-342900" algn="l">
+              <a:buFont typeface="Arial" panose="020B0604020202020204" pitchFamily="34" charset="0"/>
+              <a:buChar char="•"/>
+            </a:pPr>
+            <a:r>
+              <a:rPr lang="en-US" dirty="0" smtClean="0"/>
+              <a:t>Web interface to track the person in emergency. </a:t>
+            </a:r>
+            <a:endParaRPr lang="en-US" dirty="0"/>
           </a:p>
         </p:txBody>
       </p:sp>
     </p:spTree>
     <p:extLst>
       <p:ext uri="{BB962C8B-B14F-4D97-AF65-F5344CB8AC3E}">
-        <p14:creationId xmlns:p14="http://schemas.microsoft.com/office/powerpoint/2010/main" val="3172679140"/>
+        <p14:creationId xmlns:p14="http://schemas.microsoft.com/office/powerpoint/2010/main" val="2076081410"/>
       </p:ext>
     </p:extLst>
   </p:cSld>
   <p:clrMapOvr>
     <a:masterClrMapping/>
   </p:clrMapOvr>
+  <p:timing>
+    <p:tnLst>
+      <p:par>
+        <p:cTn id="1" dur="indefinite" restart="never" nodeType="tmRoot"/>
+      </p:par>
+    </p:tnLst>
+  </p:timing>
 </p:sld>
 </file>
 
@@ -3750,7 +3975,7 @@
             <a:pPr algn="l"/>
             <a:r>
               <a:rPr lang="en-US" dirty="0" smtClean="0"/>
-              <a:t>Mobile Service</a:t>
+              <a:t>Emergency Button</a:t>
             </a:r>
           </a:p>
           <a:p>
@@ -3763,27 +3988,68 @@
           </a:p>
           <a:p>
             <a:pPr algn="l"/>
-            <a:r>
-              <a:rPr lang="en-US" dirty="0" smtClean="0"/>
-              <a:t>[Insert Image of Mobile Service]</a:t>
-            </a:r>
-          </a:p>
-          <a:p>
-            <a:pPr algn="l"/>
             <a:endParaRPr lang="en-US" dirty="0" smtClean="0"/>
           </a:p>
         </p:txBody>
       </p:sp>
+      <p:pic>
+        <p:nvPicPr>
+          <p:cNvPr id="1026" name="Picture 2" descr="E:\Dropbox\Code\Emergency-Response-System\presentation\button.png"/>
+          <p:cNvPicPr>
+            <a:picLocks noChangeAspect="1" noChangeArrowheads="1"/>
+          </p:cNvPicPr>
+          <p:nvPr/>
+        </p:nvPicPr>
+        <p:blipFill>
+          <a:blip r:embed="rId2" cstate="print">
+            <a:extLst>
+              <a:ext uri="{28A0092B-C50C-407E-A947-70E740481C1C}">
+                <a14:useLocalDpi xmlns:a14="http://schemas.microsoft.com/office/drawing/2010/main" val="0"/>
+              </a:ext>
+            </a:extLst>
+          </a:blip>
+          <a:srcRect/>
+          <a:stretch>
+            <a:fillRect/>
+          </a:stretch>
+        </p:blipFill>
+        <p:spPr bwMode="auto">
+          <a:xfrm>
+            <a:off x="2209800" y="2590800"/>
+            <a:ext cx="4191000" cy="3019985"/>
+          </a:xfrm>
+          <a:prstGeom prst="rect">
+            <a:avLst/>
+          </a:prstGeom>
+          <a:noFill/>
+          <a:extLst>
+            <a:ext uri="{909E8E84-426E-40DD-AFC4-6F175D3DCCD1}">
+              <a14:hiddenFill xmlns:a14="http://schemas.microsoft.com/office/drawing/2010/main">
+                <a:solidFill>
+                  <a:srgbClr val="FFFFFF"/>
+                </a:solidFill>
+              </a14:hiddenFill>
+            </a:ext>
+          </a:extLst>
+        </p:spPr>
+      </p:pic>
     </p:spTree>
     <p:extLst>
       <p:ext uri="{BB962C8B-B14F-4D97-AF65-F5344CB8AC3E}">
-        <p14:creationId xmlns:p14="http://schemas.microsoft.com/office/powerpoint/2010/main" val="4242563799"/>
+        <p14:creationId xmlns:p14="http://schemas.microsoft.com/office/powerpoint/2010/main" val="3172679140"/>
       </p:ext>
     </p:extLst>
   </p:cSld>
   <p:clrMapOvr>
     <a:masterClrMapping/>
   </p:clrMapOvr>
+  <p:timing>
+    <p:tnLst>
+      <p:par>
+        <p:cTn id="1" dur="indefinite" restart="never" nodeType="tmRoot"/>
+      </p:par>
+    </p:tnLst>
+  </p:timing>
 </p:sld>
 </file>
 
@@ -3855,7 +4121,7 @@
             <a:pPr algn="l"/>
             <a:r>
               <a:rPr lang="en-US" dirty="0" smtClean="0"/>
-              <a:t>SMS Processing Engine</a:t>
+              <a:t>Mobile Service</a:t>
             </a:r>
           </a:p>
           <a:p>
@@ -3868,10 +4134,7 @@
           </a:p>
           <a:p>
             <a:pPr algn="l"/>
-            <a:r>
-              <a:rPr lang="en-US" dirty="0" smtClean="0"/>
-              <a:t>[Insert Image of SMS Engine]</a:t>
-            </a:r>
+            <a:endParaRPr lang="en-US" dirty="0" smtClean="0"/>
           </a:p>
           <a:p>
             <a:pPr algn="l"/>
@@ -3879,6 +4142,47 @@
           </a:p>
         </p:txBody>
       </p:sp>
+      <p:pic>
+        <p:nvPicPr>
+          <p:cNvPr id="2050" name="Picture 2" descr="E:\Dropbox\Code\Emergency-Response-System\presentation\Screenshot_2013-12-05-21-36-09.png"/>
+          <p:cNvPicPr>
+            <a:picLocks noChangeAspect="1" noChangeArrowheads="1"/>
+          </p:cNvPicPr>
+          <p:nvPr/>
+        </p:nvPicPr>
+        <p:blipFill>
+          <a:blip r:embed="rId2" cstate="print">
+            <a:extLst>
+              <a:ext uri="{28A0092B-C50C-407E-A947-70E740481C1C}">
+                <a14:useLocalDpi xmlns:a14="http://schemas.microsoft.com/office/drawing/2010/main" val="0"/>
+              </a:ext>
+            </a:extLst>
+          </a:blip>
+          <a:srcRect/>
+          <a:stretch>
+            <a:fillRect/>
+          </a:stretch>
+        </p:blipFill>
+        <p:spPr bwMode="auto">
+          <a:xfrm>
+            <a:off x="3581400" y="2590800"/>
+            <a:ext cx="2240280" cy="3733800"/>
+          </a:xfrm>
+          <a:prstGeom prst="rect">
+            <a:avLst/>
+          </a:prstGeom>
+          <a:noFill/>
+          <a:extLst>
+            <a:ext uri="{909E8E84-426E-40DD-AFC4-6F175D3DCCD1}">
+              <a14:hiddenFill xmlns:a14="http://schemas.microsoft.com/office/drawing/2010/main">
+                <a:solidFill>
+                  <a:srgbClr val="FFFFFF"/>
+                </a:solidFill>
+              </a14:hiddenFill>
+            </a:ext>
+          </a:extLst>
+        </p:spPr>
+      </p:pic>
     </p:spTree>
     <p:extLst>
       <p:ext uri="{BB962C8B-B14F-4D97-AF65-F5344CB8AC3E}">
@@ -3889,6 +4193,13 @@
   <p:clrMapOvr>
     <a:masterClrMapping/>
   </p:clrMapOvr>
+  <p:timing>
+    <p:tnLst>
+      <p:par>
+        <p:cTn id="1" dur="indefinite" restart="never" nodeType="tmRoot"/>
+      </p:par>
+    </p:tnLst>
+  </p:timing>
 </p:sld>
 </file>
 
@@ -3960,7 +4271,7 @@
             <a:pPr algn="l"/>
             <a:r>
               <a:rPr lang="en-US" dirty="0" smtClean="0"/>
-              <a:t>User Interface</a:t>
+              <a:t>SMS Processing Engine</a:t>
             </a:r>
           </a:p>
           <a:p>
@@ -3973,14 +4284,6 @@
           </a:p>
           <a:p>
             <a:pPr algn="l"/>
-            <a:r>
-              <a:rPr lang="en-US" dirty="0" smtClean="0"/>
-              <a:t>[Insert Image </a:t>
-            </a:r>
-            <a:r>
-              <a:rPr lang="en-US" smtClean="0"/>
-              <a:t>of UI]</a:t>
-            </a:r>
             <a:endParaRPr lang="en-US" dirty="0" smtClean="0"/>
           </a:p>
           <a:p>
@@ -3989,6 +4292,47 @@
           </a:p>
         </p:txBody>
       </p:sp>
+      <p:pic>
+        <p:nvPicPr>
+          <p:cNvPr id="3074" name="Picture 2" descr="E:\Dropbox\Code\Emergency-Response-System\presentation\EDropboxCodeEmergency-Response-Systembackend_2013-12-05_21-38-45.png"/>
+          <p:cNvPicPr>
+            <a:picLocks noChangeAspect="1" noChangeArrowheads="1"/>
+          </p:cNvPicPr>
+          <p:nvPr/>
+        </p:nvPicPr>
+        <p:blipFill>
+          <a:blip r:embed="rId2">
+            <a:extLst>
+              <a:ext uri="{28A0092B-C50C-407E-A947-70E740481C1C}">
+                <a14:useLocalDpi xmlns:a14="http://schemas.microsoft.com/office/drawing/2010/main" val="0"/>
+              </a:ext>
+            </a:extLst>
+          </a:blip>
+          <a:srcRect/>
+          <a:stretch>
+            <a:fillRect/>
+          </a:stretch>
+        </p:blipFill>
+        <p:spPr bwMode="auto">
+          <a:xfrm>
+            <a:off x="2209800" y="2667000"/>
+            <a:ext cx="4724400" cy="3404890"/>
+          </a:xfrm>
+          <a:prstGeom prst="rect">
+            <a:avLst/>
+          </a:prstGeom>
+          <a:noFill/>
+          <a:extLst>
+            <a:ext uri="{909E8E84-426E-40DD-AFC4-6F175D3DCCD1}">
+              <a14:hiddenFill xmlns:a14="http://schemas.microsoft.com/office/drawing/2010/main">
+                <a:solidFill>
+                  <a:srgbClr val="FFFFFF"/>
+                </a:solidFill>
+              </a14:hiddenFill>
+            </a:ext>
+          </a:extLst>
+        </p:spPr>
+      </p:pic>
     </p:spTree>
     <p:extLst>
       <p:ext uri="{BB962C8B-B14F-4D97-AF65-F5344CB8AC3E}">
@@ -3999,6 +4343,455 @@
   <p:clrMapOvr>
     <a:masterClrMapping/>
   </p:clrMapOvr>
+  <p:timing>
+    <p:tnLst>
+      <p:par>
+        <p:cTn id="1" dur="indefinite" restart="never" nodeType="tmRoot"/>
+      </p:par>
+    </p:tnLst>
+  </p:timing>
+</p:sld>
+</file>
+
+<file path=ppt/slides/slide7.xml><?xml version="1.0" encoding="utf-8"?>
+<p:sld xmlns:a="http://schemas.openxmlformats.org/drawingml/2006/main" xmlns:r="http://schemas.openxmlformats.org/officeDocument/2006/relationships" xmlns:p="http://schemas.openxmlformats.org/presentationml/2006/main">
+  <p:cSld>
+    <p:spTree>
+      <p:nvGrpSpPr>
+        <p:cNvPr id="1" name=""/>
+        <p:cNvGrpSpPr/>
+        <p:nvPr/>
+      </p:nvGrpSpPr>
+      <p:grpSpPr>
+        <a:xfrm>
+          <a:off x="0" y="0"/>
+          <a:ext cx="0" cy="0"/>
+          <a:chOff x="0" y="0"/>
+          <a:chExt cx="0" cy="0"/>
+        </a:xfrm>
+      </p:grpSpPr>
+      <p:sp>
+        <p:nvSpPr>
+          <p:cNvPr id="2" name="Title 1"/>
+          <p:cNvSpPr>
+            <a:spLocks noGrp="1"/>
+          </p:cNvSpPr>
+          <p:nvPr>
+            <p:ph type="ctrTitle"/>
+          </p:nvPr>
+        </p:nvSpPr>
+        <p:spPr>
+          <a:xfrm>
+            <a:off x="685800" y="609601"/>
+            <a:ext cx="7543800" cy="990599"/>
+          </a:xfrm>
+        </p:spPr>
+        <p:txBody>
+          <a:bodyPr/>
+          <a:lstStyle/>
+          <a:p>
+            <a:r>
+              <a:rPr lang="en-US" sz="4000" dirty="0" smtClean="0"/>
+              <a:t>Emergency Response System - Demo</a:t>
+            </a:r>
+            <a:endParaRPr lang="en-US" sz="4000" dirty="0"/>
+          </a:p>
+        </p:txBody>
+      </p:sp>
+      <p:sp>
+        <p:nvSpPr>
+          <p:cNvPr id="3" name="Subtitle 2"/>
+          <p:cNvSpPr>
+            <a:spLocks noGrp="1"/>
+          </p:cNvSpPr>
+          <p:nvPr>
+            <p:ph type="subTitle" idx="1"/>
+          </p:nvPr>
+        </p:nvSpPr>
+        <p:spPr>
+          <a:xfrm>
+            <a:off x="1219200" y="1981200"/>
+            <a:ext cx="6705600" cy="4191000"/>
+          </a:xfrm>
+        </p:spPr>
+        <p:txBody>
+          <a:bodyPr/>
+          <a:lstStyle/>
+          <a:p>
+            <a:pPr algn="l"/>
+            <a:r>
+              <a:rPr lang="en-US" dirty="0" smtClean="0"/>
+              <a:t>User Interface</a:t>
+            </a:r>
+          </a:p>
+          <a:p>
+            <a:pPr algn="l"/>
+            <a:endParaRPr lang="en-US" dirty="0"/>
+          </a:p>
+          <a:p>
+            <a:pPr algn="l"/>
+            <a:endParaRPr lang="en-US" dirty="0" smtClean="0"/>
+          </a:p>
+          <a:p>
+            <a:pPr algn="l"/>
+            <a:endParaRPr lang="en-US" dirty="0" smtClean="0"/>
+          </a:p>
+          <a:p>
+            <a:pPr algn="l"/>
+            <a:endParaRPr lang="en-US" dirty="0" smtClean="0"/>
+          </a:p>
+        </p:txBody>
+      </p:sp>
+      <p:pic>
+        <p:nvPicPr>
+          <p:cNvPr id="4099" name="Picture 3" descr="E:\Dropbox\Code\Emergency-Response-System\presentation\Buzz Guardian - Google Chrome_2013-12-05_22-33-31.png"/>
+          <p:cNvPicPr>
+            <a:picLocks noChangeAspect="1" noChangeArrowheads="1"/>
+          </p:cNvPicPr>
+          <p:nvPr/>
+        </p:nvPicPr>
+        <p:blipFill>
+          <a:blip r:embed="rId2" cstate="print">
+            <a:extLst>
+              <a:ext uri="{28A0092B-C50C-407E-A947-70E740481C1C}">
+                <a14:useLocalDpi xmlns:a14="http://schemas.microsoft.com/office/drawing/2010/main" val="0"/>
+              </a:ext>
+            </a:extLst>
+          </a:blip>
+          <a:srcRect/>
+          <a:stretch>
+            <a:fillRect/>
+          </a:stretch>
+        </p:blipFill>
+        <p:spPr bwMode="auto">
+          <a:xfrm>
+            <a:off x="1295400" y="2743200"/>
+            <a:ext cx="7207286" cy="3429000"/>
+          </a:xfrm>
+          <a:prstGeom prst="rect">
+            <a:avLst/>
+          </a:prstGeom>
+          <a:noFill/>
+          <a:extLst>
+            <a:ext uri="{909E8E84-426E-40DD-AFC4-6F175D3DCCD1}">
+              <a14:hiddenFill xmlns:a14="http://schemas.microsoft.com/office/drawing/2010/main">
+                <a:solidFill>
+                  <a:srgbClr val="FFFFFF"/>
+                </a:solidFill>
+              </a14:hiddenFill>
+            </a:ext>
+          </a:extLst>
+        </p:spPr>
+      </p:pic>
+    </p:spTree>
+    <p:extLst>
+      <p:ext uri="{BB962C8B-B14F-4D97-AF65-F5344CB8AC3E}">
+        <p14:creationId xmlns:p14="http://schemas.microsoft.com/office/powerpoint/2010/main" val="4242563799"/>
+      </p:ext>
+    </p:extLst>
+  </p:cSld>
+  <p:clrMapOvr>
+    <a:masterClrMapping/>
+  </p:clrMapOvr>
+  <p:timing>
+    <p:tnLst>
+      <p:par>
+        <p:cTn id="1" dur="indefinite" restart="never" nodeType="tmRoot"/>
+      </p:par>
+    </p:tnLst>
+  </p:timing>
+</p:sld>
+</file>
+
+<file path=ppt/slides/slide8.xml><?xml version="1.0" encoding="utf-8"?>
+<p:sld xmlns:a="http://schemas.openxmlformats.org/drawingml/2006/main" xmlns:r="http://schemas.openxmlformats.org/officeDocument/2006/relationships" xmlns:p="http://schemas.openxmlformats.org/presentationml/2006/main">
+  <p:cSld>
+    <p:spTree>
+      <p:nvGrpSpPr>
+        <p:cNvPr id="1" name=""/>
+        <p:cNvGrpSpPr/>
+        <p:nvPr/>
+      </p:nvGrpSpPr>
+      <p:grpSpPr>
+        <a:xfrm>
+          <a:off x="0" y="0"/>
+          <a:ext cx="0" cy="0"/>
+          <a:chOff x="0" y="0"/>
+          <a:chExt cx="0" cy="0"/>
+        </a:xfrm>
+      </p:grpSpPr>
+      <p:sp>
+        <p:nvSpPr>
+          <p:cNvPr id="2" name="Title 1"/>
+          <p:cNvSpPr>
+            <a:spLocks noGrp="1"/>
+          </p:cNvSpPr>
+          <p:nvPr>
+            <p:ph type="ctrTitle"/>
+          </p:nvPr>
+        </p:nvSpPr>
+        <p:spPr>
+          <a:xfrm>
+            <a:off x="685800" y="609601"/>
+            <a:ext cx="7543800" cy="990599"/>
+          </a:xfrm>
+        </p:spPr>
+        <p:txBody>
+          <a:bodyPr/>
+          <a:lstStyle/>
+          <a:p>
+            <a:r>
+              <a:rPr lang="en-US" sz="4000" dirty="0" smtClean="0"/>
+              <a:t>Emergency Response System - </a:t>
+            </a:r>
+            <a:r>
+              <a:rPr lang="en-US" sz="4000" dirty="0" smtClean="0"/>
+              <a:t>Usage</a:t>
+            </a:r>
+            <a:endParaRPr lang="en-US" sz="4000" dirty="0"/>
+          </a:p>
+        </p:txBody>
+      </p:sp>
+      <p:sp>
+        <p:nvSpPr>
+          <p:cNvPr id="3" name="Subtitle 2"/>
+          <p:cNvSpPr>
+            <a:spLocks noGrp="1"/>
+          </p:cNvSpPr>
+          <p:nvPr>
+            <p:ph type="subTitle" idx="1"/>
+          </p:nvPr>
+        </p:nvSpPr>
+        <p:spPr>
+          <a:xfrm>
+            <a:off x="1219200" y="1981200"/>
+            <a:ext cx="6705600" cy="4191000"/>
+          </a:xfrm>
+        </p:spPr>
+        <p:txBody>
+          <a:bodyPr/>
+          <a:lstStyle/>
+          <a:p>
+            <a:pPr algn="l"/>
+            <a:r>
+              <a:rPr lang="en-US" dirty="0" smtClean="0">
+                <a:solidFill>
+                  <a:schemeClr val="tx1"/>
+                </a:solidFill>
+              </a:rPr>
+              <a:t>Double Click </a:t>
+            </a:r>
+            <a:r>
+              <a:rPr lang="en-US" dirty="0" smtClean="0"/>
+              <a:t>=&gt; </a:t>
+            </a:r>
+            <a:r>
+              <a:rPr lang="en-US" b="1" dirty="0" smtClean="0">
+                <a:solidFill>
+                  <a:srgbClr val="FF0000"/>
+                </a:solidFill>
+              </a:rPr>
+              <a:t>EMERGENCY</a:t>
+            </a:r>
+          </a:p>
+          <a:p>
+            <a:pPr algn="l"/>
+            <a:endParaRPr lang="en-US" dirty="0" smtClean="0">
+              <a:solidFill>
+                <a:srgbClr val="FF0000"/>
+              </a:solidFill>
+            </a:endParaRPr>
+          </a:p>
+          <a:p>
+            <a:pPr algn="l"/>
+            <a:r>
+              <a:rPr lang="en-US" dirty="0" smtClean="0">
+                <a:solidFill>
+                  <a:schemeClr val="tx1"/>
+                </a:solidFill>
+              </a:rPr>
+              <a:t>LED glows after sending emergency.</a:t>
+            </a:r>
+          </a:p>
+        </p:txBody>
+      </p:sp>
+    </p:spTree>
+    <p:extLst>
+      <p:ext uri="{BB962C8B-B14F-4D97-AF65-F5344CB8AC3E}">
+        <p14:creationId xmlns:p14="http://schemas.microsoft.com/office/powerpoint/2010/main" val="4021023727"/>
+      </p:ext>
+    </p:extLst>
+  </p:cSld>
+  <p:clrMapOvr>
+    <a:masterClrMapping/>
+  </p:clrMapOvr>
+  <p:timing>
+    <p:tnLst>
+      <p:par>
+        <p:cTn id="1" dur="indefinite" restart="never" nodeType="tmRoot"/>
+      </p:par>
+    </p:tnLst>
+  </p:timing>
+</p:sld>
+</file>
+
+<file path=ppt/slides/slide9.xml><?xml version="1.0" encoding="utf-8"?>
+<p:sld xmlns:a="http://schemas.openxmlformats.org/drawingml/2006/main" xmlns:r="http://schemas.openxmlformats.org/officeDocument/2006/relationships" xmlns:p="http://schemas.openxmlformats.org/presentationml/2006/main">
+  <p:cSld>
+    <p:spTree>
+      <p:nvGrpSpPr>
+        <p:cNvPr id="1" name=""/>
+        <p:cNvGrpSpPr/>
+        <p:nvPr/>
+      </p:nvGrpSpPr>
+      <p:grpSpPr>
+        <a:xfrm>
+          <a:off x="0" y="0"/>
+          <a:ext cx="0" cy="0"/>
+          <a:chOff x="0" y="0"/>
+          <a:chExt cx="0" cy="0"/>
+        </a:xfrm>
+      </p:grpSpPr>
+      <p:sp>
+        <p:nvSpPr>
+          <p:cNvPr id="2" name="Title 1"/>
+          <p:cNvSpPr>
+            <a:spLocks noGrp="1"/>
+          </p:cNvSpPr>
+          <p:nvPr>
+            <p:ph type="ctrTitle"/>
+          </p:nvPr>
+        </p:nvSpPr>
+        <p:spPr>
+          <a:xfrm>
+            <a:off x="685800" y="609601"/>
+            <a:ext cx="7543800" cy="990599"/>
+          </a:xfrm>
+        </p:spPr>
+        <p:txBody>
+          <a:bodyPr/>
+          <a:lstStyle/>
+          <a:p>
+            <a:r>
+              <a:rPr lang="en-US" sz="4000" dirty="0" smtClean="0"/>
+              <a:t>Emergency Response System - </a:t>
+            </a:r>
+            <a:r>
+              <a:rPr lang="en-US" sz="4000" dirty="0" smtClean="0"/>
+              <a:t>Usage</a:t>
+            </a:r>
+            <a:endParaRPr lang="en-US" sz="4000" dirty="0"/>
+          </a:p>
+        </p:txBody>
+      </p:sp>
+      <p:sp>
+        <p:nvSpPr>
+          <p:cNvPr id="3" name="Subtitle 2"/>
+          <p:cNvSpPr>
+            <a:spLocks noGrp="1"/>
+          </p:cNvSpPr>
+          <p:nvPr>
+            <p:ph type="subTitle" idx="1"/>
+          </p:nvPr>
+        </p:nvSpPr>
+        <p:spPr>
+          <a:xfrm>
+            <a:off x="1219200" y="1981200"/>
+            <a:ext cx="6705600" cy="4191000"/>
+          </a:xfrm>
+        </p:spPr>
+        <p:txBody>
+          <a:bodyPr/>
+          <a:lstStyle/>
+          <a:p>
+            <a:pPr algn="l"/>
+            <a:r>
+              <a:rPr lang="en-US" dirty="0" smtClean="0">
+                <a:solidFill>
+                  <a:schemeClr val="tx1"/>
+                </a:solidFill>
+              </a:rPr>
+              <a:t>Single Click =&gt;</a:t>
+            </a:r>
+            <a:r>
+              <a:rPr lang="en-US" dirty="0" smtClean="0">
+                <a:solidFill>
+                  <a:srgbClr val="FF0000"/>
+                </a:solidFill>
+              </a:rPr>
+              <a:t> </a:t>
+            </a:r>
+            <a:r>
+              <a:rPr lang="en-US" b="1" dirty="0" smtClean="0">
+                <a:solidFill>
+                  <a:srgbClr val="002060"/>
+                </a:solidFill>
+              </a:rPr>
+              <a:t>CANCEL</a:t>
+            </a:r>
+          </a:p>
+          <a:p>
+            <a:pPr algn="l"/>
+            <a:endParaRPr lang="en-US" b="1" dirty="0">
+              <a:solidFill>
+                <a:srgbClr val="002060"/>
+              </a:solidFill>
+            </a:endParaRPr>
+          </a:p>
+          <a:p>
+            <a:pPr algn="l"/>
+            <a:r>
+              <a:rPr lang="en-US" b="1" dirty="0" smtClean="0">
+                <a:solidFill>
+                  <a:srgbClr val="002060"/>
+                </a:solidFill>
+              </a:rPr>
+              <a:t>If a CANCEL signal is not sent within 30 seconds, an emergency message with the exact location of the user is sent to authorities. </a:t>
+            </a:r>
+          </a:p>
+          <a:p>
+            <a:pPr algn="l"/>
+            <a:endParaRPr lang="en-US" b="1" dirty="0">
+              <a:solidFill>
+                <a:srgbClr val="002060"/>
+              </a:solidFill>
+            </a:endParaRPr>
+          </a:p>
+          <a:p>
+            <a:pPr algn="l"/>
+            <a:r>
+              <a:rPr lang="en-US" dirty="0" smtClean="0">
+                <a:solidFill>
+                  <a:schemeClr val="tx1"/>
+                </a:solidFill>
+              </a:rPr>
+              <a:t>Tracking SMS are sent after sending an Emergency Signal.</a:t>
+            </a:r>
+            <a:endParaRPr lang="en-US" dirty="0">
+              <a:solidFill>
+                <a:schemeClr val="tx1"/>
+              </a:solidFill>
+            </a:endParaRPr>
+          </a:p>
+        </p:txBody>
+      </p:sp>
+    </p:spTree>
+    <p:extLst>
+      <p:ext uri="{BB962C8B-B14F-4D97-AF65-F5344CB8AC3E}">
+        <p14:creationId xmlns:p14="http://schemas.microsoft.com/office/powerpoint/2010/main" val="2345103224"/>
+      </p:ext>
+    </p:extLst>
+  </p:cSld>
+  <p:clrMapOvr>
+    <a:masterClrMapping/>
+  </p:clrMapOvr>
+  <p:timing>
+    <p:tnLst>
+      <p:par>
+        <p:cTn id="1" dur="indefinite" restart="never" nodeType="tmRoot"/>
+      </p:par>
+    </p:tnLst>
+  </p:timing>
 </p:sld>
 </file>
 

--- a/presentation/Emergency Response System.pptx
+++ b/presentation/Emergency Response System.pptx
@@ -14,7 +14,11 @@
     <p:sldId id="261" r:id="rId8"/>
     <p:sldId id="265" r:id="rId9"/>
     <p:sldId id="264" r:id="rId10"/>
-    <p:sldId id="263" r:id="rId11"/>
+    <p:sldId id="266" r:id="rId11"/>
+    <p:sldId id="263" r:id="rId12"/>
+    <p:sldId id="268" r:id="rId13"/>
+    <p:sldId id="269" r:id="rId14"/>
+    <p:sldId id="267" r:id="rId15"/>
   </p:sldIdLst>
   <p:sldSz cx="9144000" cy="6858000" type="screen4x3"/>
   <p:notesSz cx="6858000" cy="9144000"/>
@@ -116,6 +120,263 @@
 </p:presentation>
 </file>
 
+<file path=ppt/charts/chart1.xml><?xml version="1.0" encoding="utf-8"?>
+<c:chartSpace xmlns:c="http://schemas.openxmlformats.org/drawingml/2006/chart" xmlns:a="http://schemas.openxmlformats.org/drawingml/2006/main" xmlns:r="http://schemas.openxmlformats.org/officeDocument/2006/relationships">
+  <c:date1904 val="0"/>
+  <c:lang val="en-US"/>
+  <c:roundedCorners val="0"/>
+  <mc:AlternateContent xmlns:mc="http://schemas.openxmlformats.org/markup-compatibility/2006">
+    <mc:Choice xmlns:c14="http://schemas.microsoft.com/office/drawing/2007/8/2/chart" Requires="c14">
+      <c14:style val="102"/>
+    </mc:Choice>
+    <mc:Fallback>
+      <c:style val="2"/>
+    </mc:Fallback>
+  </mc:AlternateContent>
+  <c:chart>
+    <c:title>
+      <c:tx>
+        <c:rich>
+          <a:bodyPr/>
+          <a:lstStyle/>
+          <a:p>
+            <a:pPr>
+              <a:defRPr/>
+            </a:pPr>
+            <a:r>
+              <a:rPr lang="en-US"/>
+              <a:t>Emergency</a:t>
+            </a:r>
+            <a:r>
+              <a:rPr lang="en-US" baseline="0"/>
+              <a:t> Response Time</a:t>
+            </a:r>
+            <a:endParaRPr lang="en-US"/>
+          </a:p>
+        </c:rich>
+      </c:tx>
+      <c:layout/>
+      <c:overlay val="0"/>
+    </c:title>
+    <c:autoTitleDeleted val="0"/>
+    <c:plotArea>
+      <c:layout>
+        <c:manualLayout>
+          <c:layoutTarget val="inner"/>
+          <c:xMode val="edge"/>
+          <c:yMode val="edge"/>
+          <c:x val="0.38797575757575758"/>
+          <c:y val="0.21228324433254755"/>
+          <c:w val="0.59990303030303027"/>
+          <c:h val="0.57245345499446754"/>
+        </c:manualLayout>
+      </c:layout>
+      <c:lineChart>
+        <c:grouping val="standard"/>
+        <c:varyColors val="0"/>
+        <c:ser>
+          <c:idx val="0"/>
+          <c:order val="0"/>
+          <c:tx>
+            <c:strRef>
+              <c:f>Sheet1!$A$1</c:f>
+              <c:strCache>
+                <c:ptCount val="1"/>
+                <c:pt idx="0">
+                  <c:v>Backend processing time</c:v>
+                </c:pt>
+              </c:strCache>
+            </c:strRef>
+          </c:tx>
+          <c:marker>
+            <c:symbol val="none"/>
+          </c:marker>
+          <c:val>
+            <c:numRef>
+              <c:f>Sheet1!$A$2:$A$11</c:f>
+              <c:numCache>
+                <c:formatCode>General</c:formatCode>
+                <c:ptCount val="10"/>
+                <c:pt idx="0">
+                  <c:v>34.21</c:v>
+                </c:pt>
+                <c:pt idx="1">
+                  <c:v>33.24</c:v>
+                </c:pt>
+                <c:pt idx="2">
+                  <c:v>35.56</c:v>
+                </c:pt>
+                <c:pt idx="3">
+                  <c:v>34.090000000000003</c:v>
+                </c:pt>
+                <c:pt idx="4">
+                  <c:v>34.770000000000003</c:v>
+                </c:pt>
+                <c:pt idx="5">
+                  <c:v>33.65</c:v>
+                </c:pt>
+                <c:pt idx="6">
+                  <c:v>33.979999999999997</c:v>
+                </c:pt>
+                <c:pt idx="7">
+                  <c:v>35.020000000000003</c:v>
+                </c:pt>
+                <c:pt idx="8">
+                  <c:v>34.39</c:v>
+                </c:pt>
+                <c:pt idx="9">
+                  <c:v>33.619999999999997</c:v>
+                </c:pt>
+              </c:numCache>
+            </c:numRef>
+          </c:val>
+          <c:smooth val="0"/>
+        </c:ser>
+        <c:ser>
+          <c:idx val="1"/>
+          <c:order val="1"/>
+          <c:tx>
+            <c:strRef>
+              <c:f>Sheet1!$B$1</c:f>
+              <c:strCache>
+                <c:ptCount val="1"/>
+                <c:pt idx="0">
+                  <c:v>Real time</c:v>
+                </c:pt>
+              </c:strCache>
+            </c:strRef>
+          </c:tx>
+          <c:marker>
+            <c:symbol val="none"/>
+          </c:marker>
+          <c:val>
+            <c:numRef>
+              <c:f>Sheet1!$B$2:$B$11</c:f>
+              <c:numCache>
+                <c:formatCode>General</c:formatCode>
+                <c:ptCount val="10"/>
+                <c:pt idx="0">
+                  <c:v>38.130000000000003</c:v>
+                </c:pt>
+                <c:pt idx="1">
+                  <c:v>39.450000000000003</c:v>
+                </c:pt>
+                <c:pt idx="2">
+                  <c:v>38.79</c:v>
+                </c:pt>
+                <c:pt idx="3">
+                  <c:v>38.020000000000003</c:v>
+                </c:pt>
+                <c:pt idx="4">
+                  <c:v>38.56</c:v>
+                </c:pt>
+                <c:pt idx="5">
+                  <c:v>39.18</c:v>
+                </c:pt>
+                <c:pt idx="6">
+                  <c:v>38.770000000000003</c:v>
+                </c:pt>
+                <c:pt idx="7">
+                  <c:v>38.43</c:v>
+                </c:pt>
+                <c:pt idx="8">
+                  <c:v>38.85</c:v>
+                </c:pt>
+                <c:pt idx="9">
+                  <c:v>39.700000000000003</c:v>
+                </c:pt>
+              </c:numCache>
+            </c:numRef>
+          </c:val>
+          <c:smooth val="0"/>
+        </c:ser>
+        <c:dLbls>
+          <c:showLegendKey val="0"/>
+          <c:showVal val="0"/>
+          <c:showCatName val="0"/>
+          <c:showSerName val="0"/>
+          <c:showPercent val="0"/>
+          <c:showBubbleSize val="0"/>
+        </c:dLbls>
+        <c:marker val="1"/>
+        <c:smooth val="0"/>
+        <c:axId val="81377536"/>
+        <c:axId val="54071296"/>
+      </c:lineChart>
+      <c:catAx>
+        <c:axId val="81377536"/>
+        <c:scaling>
+          <c:orientation val="minMax"/>
+        </c:scaling>
+        <c:delete val="0"/>
+        <c:axPos val="b"/>
+        <c:majorTickMark val="none"/>
+        <c:minorTickMark val="none"/>
+        <c:tickLblPos val="nextTo"/>
+        <c:crossAx val="54071296"/>
+        <c:crosses val="autoZero"/>
+        <c:auto val="1"/>
+        <c:lblAlgn val="ctr"/>
+        <c:lblOffset val="100"/>
+        <c:noMultiLvlLbl val="0"/>
+      </c:catAx>
+      <c:valAx>
+        <c:axId val="54071296"/>
+        <c:scaling>
+          <c:orientation val="minMax"/>
+        </c:scaling>
+        <c:delete val="0"/>
+        <c:axPos val="l"/>
+        <c:majorGridlines/>
+        <c:title>
+          <c:tx>
+            <c:rich>
+              <a:bodyPr/>
+              <a:lstStyle/>
+              <a:p>
+                <a:pPr>
+                  <a:defRPr/>
+                </a:pPr>
+                <a:r>
+                  <a:rPr lang="en-US"/>
+                  <a:t>Response</a:t>
+                </a:r>
+                <a:r>
+                  <a:rPr lang="en-US" baseline="0"/>
+                  <a:t> Time (s)</a:t>
+                </a:r>
+                <a:endParaRPr lang="en-US"/>
+              </a:p>
+            </c:rich>
+          </c:tx>
+          <c:layout/>
+          <c:overlay val="0"/>
+        </c:title>
+        <c:numFmt formatCode="General" sourceLinked="1"/>
+        <c:majorTickMark val="none"/>
+        <c:minorTickMark val="none"/>
+        <c:tickLblPos val="nextTo"/>
+        <c:crossAx val="81377536"/>
+        <c:crosses val="autoZero"/>
+        <c:crossBetween val="between"/>
+      </c:valAx>
+      <c:dTable>
+        <c:showHorzBorder val="1"/>
+        <c:showVertBorder val="1"/>
+        <c:showOutline val="1"/>
+        <c:showKeys val="1"/>
+      </c:dTable>
+    </c:plotArea>
+    <c:plotVisOnly val="1"/>
+    <c:dispBlanksAs val="gap"/>
+    <c:showDLblsOverMax val="0"/>
+  </c:chart>
+  <c:externalData r:id="rId1">
+    <c:autoUpdate val="0"/>
+  </c:externalData>
+</c:chartSpace>
+</file>
+
 <file path=ppt/slideLayouts/slideLayout1.xml><?xml version="1.0" encoding="utf-8"?>
 <p:sldLayout xmlns:a="http://schemas.openxmlformats.org/drawingml/2006/main" xmlns:r="http://schemas.openxmlformats.org/officeDocument/2006/relationships" xmlns:p="http://schemas.openxmlformats.org/presentationml/2006/main" type="title" preserve="1">
   <p:cSld name="Title Slide">
@@ -308,7 +569,7 @@
           <a:p>
             <a:fld id="{77CD6E0A-C629-4BA3-8273-80884DF67003}" type="datetimeFigureOut">
               <a:rPr lang="en-US" smtClean="0"/>
-              <a:t>05 Dec, 2013</a:t>
+              <a:t>06 Dec, 2013</a:t>
             </a:fld>
             <a:endParaRPr lang="en-US"/>
           </a:p>
@@ -473,7 +734,7 @@
           <a:p>
             <a:fld id="{77CD6E0A-C629-4BA3-8273-80884DF67003}" type="datetimeFigureOut">
               <a:rPr lang="en-US" smtClean="0"/>
-              <a:t>05 Dec, 2013</a:t>
+              <a:t>06 Dec, 2013</a:t>
             </a:fld>
             <a:endParaRPr lang="en-US"/>
           </a:p>
@@ -648,7 +909,7 @@
           <a:p>
             <a:fld id="{77CD6E0A-C629-4BA3-8273-80884DF67003}" type="datetimeFigureOut">
               <a:rPr lang="en-US" smtClean="0"/>
-              <a:t>05 Dec, 2013</a:t>
+              <a:t>06 Dec, 2013</a:t>
             </a:fld>
             <a:endParaRPr lang="en-US"/>
           </a:p>
@@ -831,7 +1092,7 @@
           <a:p>
             <a:fld id="{77CD6E0A-C629-4BA3-8273-80884DF67003}" type="datetimeFigureOut">
               <a:rPr lang="en-US" smtClean="0"/>
-              <a:t>05 Dec, 2013</a:t>
+              <a:t>06 Dec, 2013</a:t>
             </a:fld>
             <a:endParaRPr lang="en-US"/>
           </a:p>
@@ -1093,7 +1354,7 @@
           <a:p>
             <a:fld id="{77CD6E0A-C629-4BA3-8273-80884DF67003}" type="datetimeFigureOut">
               <a:rPr lang="en-US" smtClean="0"/>
-              <a:t>05 Dec, 2013</a:t>
+              <a:t>06 Dec, 2013</a:t>
             </a:fld>
             <a:endParaRPr lang="en-US"/>
           </a:p>
@@ -1441,7 +1702,7 @@
           <a:p>
             <a:fld id="{77CD6E0A-C629-4BA3-8273-80884DF67003}" type="datetimeFigureOut">
               <a:rPr lang="en-US" smtClean="0"/>
-              <a:t>05 Dec, 2013</a:t>
+              <a:t>06 Dec, 2013</a:t>
             </a:fld>
             <a:endParaRPr lang="en-US"/>
           </a:p>
@@ -1749,7 +2010,7 @@
           <a:p>
             <a:fld id="{77CD6E0A-C629-4BA3-8273-80884DF67003}" type="datetimeFigureOut">
               <a:rPr lang="en-US" smtClean="0"/>
-              <a:t>05 Dec, 2013</a:t>
+              <a:t>06 Dec, 2013</a:t>
             </a:fld>
             <a:endParaRPr lang="en-US"/>
           </a:p>
@@ -1976,7 +2237,7 @@
           <a:p>
             <a:fld id="{77CD6E0A-C629-4BA3-8273-80884DF67003}" type="datetimeFigureOut">
               <a:rPr lang="en-US" smtClean="0"/>
-              <a:t>05 Dec, 2013</a:t>
+              <a:t>06 Dec, 2013</a:t>
             </a:fld>
             <a:endParaRPr lang="en-US"/>
           </a:p>
@@ -2066,7 +2327,7 @@
           <a:p>
             <a:fld id="{77CD6E0A-C629-4BA3-8273-80884DF67003}" type="datetimeFigureOut">
               <a:rPr lang="en-US" smtClean="0"/>
-              <a:t>05 Dec, 2013</a:t>
+              <a:t>06 Dec, 2013</a:t>
             </a:fld>
             <a:endParaRPr lang="en-US"/>
           </a:p>
@@ -2354,7 +2615,7 @@
           <a:p>
             <a:fld id="{77CD6E0A-C629-4BA3-8273-80884DF67003}" type="datetimeFigureOut">
               <a:rPr lang="en-US" smtClean="0"/>
-              <a:t>05 Dec, 2013</a:t>
+              <a:t>06 Dec, 2013</a:t>
             </a:fld>
             <a:endParaRPr lang="en-US"/>
           </a:p>
@@ -2623,7 +2884,7 @@
           <a:p>
             <a:fld id="{77CD6E0A-C629-4BA3-8273-80884DF67003}" type="datetimeFigureOut">
               <a:rPr lang="en-US" smtClean="0"/>
-              <a:t>05 Dec, 2013</a:t>
+              <a:t>06 Dec, 2013</a:t>
             </a:fld>
             <a:endParaRPr lang="en-US"/>
           </a:p>
@@ -2833,7 +3094,7 @@
           <a:p>
             <a:fld id="{77CD6E0A-C629-4BA3-8273-80884DF67003}" type="datetimeFigureOut">
               <a:rPr lang="en-US" smtClean="0"/>
-              <a:t>05 Dec, 2013</a:t>
+              <a:t>06 Dec, 2013</a:t>
             </a:fld>
             <a:endParaRPr lang="en-US"/>
           </a:p>
@@ -3492,11 +3753,7 @@
           <a:p>
             <a:r>
               <a:rPr lang="en-US" sz="4000" dirty="0" smtClean="0"/>
-              <a:t>Emergency Response </a:t>
-            </a:r>
-            <a:r>
-              <a:rPr lang="en-US" sz="4000" dirty="0" smtClean="0"/>
-              <a:t>System</a:t>
+              <a:t>Emergency Response System - Usage</a:t>
             </a:r>
             <a:endParaRPr lang="en-US" sz="4000" dirty="0"/>
           </a:p>
@@ -3516,6 +3773,128 @@
           <a:xfrm>
             <a:off x="1219200" y="1981200"/>
             <a:ext cx="6705600" cy="4191000"/>
+          </a:xfrm>
+        </p:spPr>
+        <p:txBody>
+          <a:bodyPr/>
+          <a:lstStyle/>
+          <a:p>
+            <a:pPr algn="l"/>
+            <a:endParaRPr lang="en-US" dirty="0">
+              <a:solidFill>
+                <a:schemeClr val="tx1"/>
+              </a:solidFill>
+            </a:endParaRPr>
+          </a:p>
+        </p:txBody>
+      </p:sp>
+      <p:graphicFrame>
+        <p:nvGraphicFramePr>
+          <p:cNvPr id="4" name="Chart 3"/>
+          <p:cNvGraphicFramePr>
+            <a:graphicFrameLocks/>
+          </p:cNvGraphicFramePr>
+          <p:nvPr>
+            <p:extLst>
+              <p:ext uri="{D42A27DB-BD31-4B8C-83A1-F6EECF244321}">
+                <p14:modId xmlns:p14="http://schemas.microsoft.com/office/powerpoint/2010/main" val="2644526092"/>
+              </p:ext>
+            </p:extLst>
+          </p:nvPr>
+        </p:nvGraphicFramePr>
+        <p:xfrm>
+          <a:off x="1447800" y="2362200"/>
+          <a:ext cx="5638800" cy="3276600"/>
+        </p:xfrm>
+        <a:graphic>
+          <a:graphicData uri="http://schemas.openxmlformats.org/drawingml/2006/chart">
+            <c:chart xmlns:c="http://schemas.openxmlformats.org/drawingml/2006/chart" xmlns:r="http://schemas.openxmlformats.org/officeDocument/2006/relationships" r:id="rId2"/>
+          </a:graphicData>
+        </a:graphic>
+      </p:graphicFrame>
+    </p:spTree>
+    <p:extLst>
+      <p:ext uri="{BB962C8B-B14F-4D97-AF65-F5344CB8AC3E}">
+        <p14:creationId xmlns:p14="http://schemas.microsoft.com/office/powerpoint/2010/main" val="3270027680"/>
+      </p:ext>
+    </p:extLst>
+  </p:cSld>
+  <p:clrMapOvr>
+    <a:masterClrMapping/>
+  </p:clrMapOvr>
+  <p:timing>
+    <p:tnLst>
+      <p:par>
+        <p:cTn id="1" dur="indefinite" restart="never" nodeType="tmRoot"/>
+      </p:par>
+    </p:tnLst>
+  </p:timing>
+</p:sld>
+</file>
+
+<file path=ppt/slides/slide11.xml><?xml version="1.0" encoding="utf-8"?>
+<p:sld xmlns:a="http://schemas.openxmlformats.org/drawingml/2006/main" xmlns:r="http://schemas.openxmlformats.org/officeDocument/2006/relationships" xmlns:p="http://schemas.openxmlformats.org/presentationml/2006/main">
+  <p:cSld>
+    <p:spTree>
+      <p:nvGrpSpPr>
+        <p:cNvPr id="1" name=""/>
+        <p:cNvGrpSpPr/>
+        <p:nvPr/>
+      </p:nvGrpSpPr>
+      <p:grpSpPr>
+        <a:xfrm>
+          <a:off x="0" y="0"/>
+          <a:ext cx="0" cy="0"/>
+          <a:chOff x="0" y="0"/>
+          <a:chExt cx="0" cy="0"/>
+        </a:xfrm>
+      </p:grpSpPr>
+      <p:sp>
+        <p:nvSpPr>
+          <p:cNvPr id="2" name="Title 1"/>
+          <p:cNvSpPr>
+            <a:spLocks noGrp="1"/>
+          </p:cNvSpPr>
+          <p:nvPr>
+            <p:ph type="ctrTitle"/>
+          </p:nvPr>
+        </p:nvSpPr>
+        <p:spPr>
+          <a:xfrm>
+            <a:off x="685800" y="609601"/>
+            <a:ext cx="7543800" cy="990599"/>
+          </a:xfrm>
+        </p:spPr>
+        <p:txBody>
+          <a:bodyPr/>
+          <a:lstStyle/>
+          <a:p>
+            <a:r>
+              <a:rPr lang="en-US" sz="4000" dirty="0" smtClean="0"/>
+              <a:t>Emergency Response </a:t>
+            </a:r>
+            <a:r>
+              <a:rPr lang="en-US" sz="4000" dirty="0" smtClean="0"/>
+              <a:t>System – Location Detection</a:t>
+            </a:r>
+            <a:endParaRPr lang="en-US" sz="4000" dirty="0"/>
+          </a:p>
+        </p:txBody>
+      </p:sp>
+      <p:sp>
+        <p:nvSpPr>
+          <p:cNvPr id="3" name="Subtitle 2"/>
+          <p:cNvSpPr>
+            <a:spLocks noGrp="1"/>
+          </p:cNvSpPr>
+          <p:nvPr>
+            <p:ph type="subTitle" idx="1"/>
+          </p:nvPr>
+        </p:nvSpPr>
+        <p:spPr>
+          <a:xfrm>
+            <a:off x="990600" y="1828800"/>
+            <a:ext cx="6934200" cy="4343400"/>
           </a:xfrm>
         </p:spPr>
         <p:txBody>
@@ -3526,15 +3905,176 @@
               <a:buFont typeface="+mj-lt"/>
               <a:buAutoNum type="arabicPeriod"/>
             </a:pPr>
-            <a:r>
-              <a:rPr lang="en-US" dirty="0" smtClean="0"/>
-              <a:t>System cost was around </a:t>
-            </a:r>
-            <a:r>
-              <a:rPr lang="en-US" b="1" dirty="0" smtClean="0"/>
-              <a:t>60$</a:t>
-            </a:r>
-          </a:p>
+            <a:endParaRPr lang="en-US" dirty="0"/>
+          </a:p>
+        </p:txBody>
+      </p:sp>
+      <p:pic>
+        <p:nvPicPr>
+          <p:cNvPr id="2050" name="Picture 2" descr="E:\Dropbox\Code\Emergency-Response-System\presentation\gatech-region.png"/>
+          <p:cNvPicPr>
+            <a:picLocks noChangeAspect="1" noChangeArrowheads="1"/>
+          </p:cNvPicPr>
+          <p:nvPr/>
+        </p:nvPicPr>
+        <p:blipFill>
+          <a:blip r:embed="rId2">
+            <a:extLst>
+              <a:ext uri="{28A0092B-C50C-407E-A947-70E740481C1C}">
+                <a14:useLocalDpi xmlns:a14="http://schemas.microsoft.com/office/drawing/2010/main" val="0"/>
+              </a:ext>
+            </a:extLst>
+          </a:blip>
+          <a:srcRect/>
+          <a:stretch>
+            <a:fillRect/>
+          </a:stretch>
+        </p:blipFill>
+        <p:spPr bwMode="auto">
+          <a:xfrm>
+            <a:off x="3048000" y="1676400"/>
+            <a:ext cx="2575734" cy="2438400"/>
+          </a:xfrm>
+          <a:prstGeom prst="rect">
+            <a:avLst/>
+          </a:prstGeom>
+          <a:noFill/>
+          <a:extLst>
+            <a:ext uri="{909E8E84-426E-40DD-AFC4-6F175D3DCCD1}">
+              <a14:hiddenFill xmlns:a14="http://schemas.microsoft.com/office/drawing/2010/main">
+                <a:solidFill>
+                  <a:srgbClr val="FFFFFF"/>
+                </a:solidFill>
+              </a14:hiddenFill>
+            </a:ext>
+          </a:extLst>
+        </p:spPr>
+      </p:pic>
+      <p:pic>
+        <p:nvPicPr>
+          <p:cNvPr id="2051" name="Picture 3" descr="E:\Dropbox\Code\Emergency-Response-System\presentation\Location Strategies  Android Developers - Google Chrome_2013-04-22_15-00-56.png"/>
+          <p:cNvPicPr>
+            <a:picLocks noChangeAspect="1" noChangeArrowheads="1"/>
+          </p:cNvPicPr>
+          <p:nvPr/>
+        </p:nvPicPr>
+        <p:blipFill>
+          <a:blip r:embed="rId3">
+            <a:extLst>
+              <a:ext uri="{28A0092B-C50C-407E-A947-70E740481C1C}">
+                <a14:useLocalDpi xmlns:a14="http://schemas.microsoft.com/office/drawing/2010/main" val="0"/>
+              </a:ext>
+            </a:extLst>
+          </a:blip>
+          <a:srcRect/>
+          <a:stretch>
+            <a:fillRect/>
+          </a:stretch>
+        </p:blipFill>
+        <p:spPr bwMode="auto">
+          <a:xfrm>
+            <a:off x="990600" y="4191000"/>
+            <a:ext cx="6963819" cy="1981200"/>
+          </a:xfrm>
+          <a:prstGeom prst="rect">
+            <a:avLst/>
+          </a:prstGeom>
+          <a:noFill/>
+          <a:extLst>
+            <a:ext uri="{909E8E84-426E-40DD-AFC4-6F175D3DCCD1}">
+              <a14:hiddenFill xmlns:a14="http://schemas.microsoft.com/office/drawing/2010/main">
+                <a:solidFill>
+                  <a:srgbClr val="FFFFFF"/>
+                </a:solidFill>
+              </a14:hiddenFill>
+            </a:ext>
+          </a:extLst>
+        </p:spPr>
+      </p:pic>
+    </p:spTree>
+    <p:extLst>
+      <p:ext uri="{BB962C8B-B14F-4D97-AF65-F5344CB8AC3E}">
+        <p14:creationId xmlns:p14="http://schemas.microsoft.com/office/powerpoint/2010/main" val="2837952244"/>
+      </p:ext>
+    </p:extLst>
+  </p:cSld>
+  <p:clrMapOvr>
+    <a:masterClrMapping/>
+  </p:clrMapOvr>
+  <p:timing>
+    <p:tnLst>
+      <p:par>
+        <p:cTn id="1" dur="indefinite" restart="never" nodeType="tmRoot"/>
+      </p:par>
+    </p:tnLst>
+  </p:timing>
+</p:sld>
+</file>
+
+<file path=ppt/slides/slide12.xml><?xml version="1.0" encoding="utf-8"?>
+<p:sld xmlns:a="http://schemas.openxmlformats.org/drawingml/2006/main" xmlns:r="http://schemas.openxmlformats.org/officeDocument/2006/relationships" xmlns:p="http://schemas.openxmlformats.org/presentationml/2006/main">
+  <p:cSld>
+    <p:spTree>
+      <p:nvGrpSpPr>
+        <p:cNvPr id="1" name=""/>
+        <p:cNvGrpSpPr/>
+        <p:nvPr/>
+      </p:nvGrpSpPr>
+      <p:grpSpPr>
+        <a:xfrm>
+          <a:off x="0" y="0"/>
+          <a:ext cx="0" cy="0"/>
+          <a:chOff x="0" y="0"/>
+          <a:chExt cx="0" cy="0"/>
+        </a:xfrm>
+      </p:grpSpPr>
+      <p:sp>
+        <p:nvSpPr>
+          <p:cNvPr id="2" name="Title 1"/>
+          <p:cNvSpPr>
+            <a:spLocks noGrp="1"/>
+          </p:cNvSpPr>
+          <p:nvPr>
+            <p:ph type="ctrTitle"/>
+          </p:nvPr>
+        </p:nvSpPr>
+        <p:spPr>
+          <a:xfrm>
+            <a:off x="685800" y="609601"/>
+            <a:ext cx="7543800" cy="990599"/>
+          </a:xfrm>
+        </p:spPr>
+        <p:txBody>
+          <a:bodyPr/>
+          <a:lstStyle/>
+          <a:p>
+            <a:r>
+              <a:rPr lang="en-US" sz="4000" dirty="0" smtClean="0"/>
+              <a:t>Emergency Response System</a:t>
+            </a:r>
+            <a:endParaRPr lang="en-US" sz="4000" dirty="0"/>
+          </a:p>
+        </p:txBody>
+      </p:sp>
+      <p:sp>
+        <p:nvSpPr>
+          <p:cNvPr id="3" name="Subtitle 2"/>
+          <p:cNvSpPr>
+            <a:spLocks noGrp="1"/>
+          </p:cNvSpPr>
+          <p:nvPr>
+            <p:ph type="subTitle" idx="1"/>
+          </p:nvPr>
+        </p:nvSpPr>
+        <p:spPr>
+          <a:xfrm>
+            <a:off x="1219200" y="1981200"/>
+            <a:ext cx="6705600" cy="4191000"/>
+          </a:xfrm>
+        </p:spPr>
+        <p:txBody>
+          <a:bodyPr/>
+          <a:lstStyle/>
           <a:p>
             <a:pPr marL="457200" indent="-457200" algn="l">
               <a:buFont typeface="+mj-lt"/>
@@ -3542,15 +4082,11 @@
             </a:pPr>
             <a:r>
               <a:rPr lang="en-US" dirty="0" smtClean="0"/>
-              <a:t>Everyone uses mobile phones these days. </a:t>
+              <a:t>System cost was around </a:t>
             </a:r>
             <a:r>
               <a:rPr lang="en-US" b="1" dirty="0" smtClean="0"/>
-              <a:t>No extra hardware</a:t>
-            </a:r>
-            <a:r>
-              <a:rPr lang="en-US" dirty="0" smtClean="0"/>
-              <a:t> required.</a:t>
+              <a:t>60$</a:t>
             </a:r>
           </a:p>
           <a:p>
@@ -3560,15 +4096,15 @@
             </a:pPr>
             <a:r>
               <a:rPr lang="en-US" dirty="0" smtClean="0"/>
-              <a:t>The SMS processing backend is lightweight and </a:t>
+              <a:t>Everyone uses mobile phones these days. </a:t>
             </a:r>
             <a:r>
               <a:rPr lang="en-US" b="1" dirty="0" smtClean="0"/>
-              <a:t>extremely scalable</a:t>
+              <a:t>No extra hardware</a:t>
             </a:r>
             <a:r>
               <a:rPr lang="en-US" dirty="0" smtClean="0"/>
-              <a:t>.</a:t>
+              <a:t> required.</a:t>
             </a:r>
           </a:p>
           <a:p>
@@ -3578,6 +4114,24 @@
             </a:pPr>
             <a:r>
               <a:rPr lang="en-US" dirty="0" smtClean="0"/>
+              <a:t>The SMS processing backend is lightweight and </a:t>
+            </a:r>
+            <a:r>
+              <a:rPr lang="en-US" b="1" dirty="0" smtClean="0"/>
+              <a:t>extremely scalable</a:t>
+            </a:r>
+            <a:r>
+              <a:rPr lang="en-US" dirty="0" smtClean="0"/>
+              <a:t>.</a:t>
+            </a:r>
+          </a:p>
+          <a:p>
+            <a:pPr marL="457200" indent="-457200" algn="l">
+              <a:buFont typeface="+mj-lt"/>
+              <a:buAutoNum type="arabicPeriod"/>
+            </a:pPr>
+            <a:r>
+              <a:rPr lang="en-US" dirty="0" smtClean="0"/>
               <a:t>Emergency messages reaches authorities within </a:t>
             </a:r>
             <a:r>
@@ -3595,7 +4149,457 @@
     </p:spTree>
     <p:extLst>
       <p:ext uri="{BB962C8B-B14F-4D97-AF65-F5344CB8AC3E}">
-        <p14:creationId xmlns:p14="http://schemas.microsoft.com/office/powerpoint/2010/main" val="2837952244"/>
+        <p14:creationId xmlns:p14="http://schemas.microsoft.com/office/powerpoint/2010/main" val="776417055"/>
+      </p:ext>
+    </p:extLst>
+  </p:cSld>
+  <p:clrMapOvr>
+    <a:masterClrMapping/>
+  </p:clrMapOvr>
+  <p:timing>
+    <p:tnLst>
+      <p:par>
+        <p:cTn id="1" dur="indefinite" restart="never" nodeType="tmRoot"/>
+      </p:par>
+    </p:tnLst>
+  </p:timing>
+</p:sld>
+</file>
+
+<file path=ppt/slides/slide13.xml><?xml version="1.0" encoding="utf-8"?>
+<p:sld xmlns:a="http://schemas.openxmlformats.org/drawingml/2006/main" xmlns:r="http://schemas.openxmlformats.org/officeDocument/2006/relationships" xmlns:p="http://schemas.openxmlformats.org/presentationml/2006/main">
+  <p:cSld>
+    <p:spTree>
+      <p:nvGrpSpPr>
+        <p:cNvPr id="1" name=""/>
+        <p:cNvGrpSpPr/>
+        <p:nvPr/>
+      </p:nvGrpSpPr>
+      <p:grpSpPr>
+        <a:xfrm>
+          <a:off x="0" y="0"/>
+          <a:ext cx="0" cy="0"/>
+          <a:chOff x="0" y="0"/>
+          <a:chExt cx="0" cy="0"/>
+        </a:xfrm>
+      </p:grpSpPr>
+      <p:sp>
+        <p:nvSpPr>
+          <p:cNvPr id="2" name="Title 1"/>
+          <p:cNvSpPr>
+            <a:spLocks noGrp="1"/>
+          </p:cNvSpPr>
+          <p:nvPr>
+            <p:ph type="ctrTitle"/>
+          </p:nvPr>
+        </p:nvSpPr>
+        <p:spPr>
+          <a:xfrm>
+            <a:off x="685800" y="609601"/>
+            <a:ext cx="7543800" cy="990599"/>
+          </a:xfrm>
+        </p:spPr>
+        <p:txBody>
+          <a:bodyPr/>
+          <a:lstStyle/>
+          <a:p>
+            <a:r>
+              <a:rPr lang="en-US" sz="4000" dirty="0" smtClean="0"/>
+              <a:t>Emergency Response System</a:t>
+            </a:r>
+            <a:endParaRPr lang="en-US" sz="4000" dirty="0"/>
+          </a:p>
+        </p:txBody>
+      </p:sp>
+      <p:sp>
+        <p:nvSpPr>
+          <p:cNvPr id="3" name="Subtitle 2"/>
+          <p:cNvSpPr>
+            <a:spLocks noGrp="1"/>
+          </p:cNvSpPr>
+          <p:nvPr>
+            <p:ph type="subTitle" idx="1"/>
+          </p:nvPr>
+        </p:nvSpPr>
+        <p:spPr>
+          <a:xfrm>
+            <a:off x="1219200" y="1981200"/>
+            <a:ext cx="6705600" cy="4191000"/>
+          </a:xfrm>
+        </p:spPr>
+        <p:txBody>
+          <a:bodyPr/>
+          <a:lstStyle/>
+          <a:p>
+            <a:pPr marL="457200" indent="-457200" algn="l">
+              <a:buFont typeface="+mj-lt"/>
+              <a:buAutoNum type="arabicPeriod"/>
+            </a:pPr>
+            <a:r>
+              <a:rPr lang="en-US" dirty="0" smtClean="0"/>
+              <a:t>System cost was around </a:t>
+            </a:r>
+            <a:r>
+              <a:rPr lang="en-US" b="1" dirty="0" smtClean="0"/>
+              <a:t>60$</a:t>
+            </a:r>
+          </a:p>
+          <a:p>
+            <a:pPr marL="457200" indent="-457200" algn="l">
+              <a:buFont typeface="+mj-lt"/>
+              <a:buAutoNum type="arabicPeriod"/>
+            </a:pPr>
+            <a:r>
+              <a:rPr lang="en-US" dirty="0" smtClean="0"/>
+              <a:t>Everyone uses mobile phones these days. </a:t>
+            </a:r>
+            <a:r>
+              <a:rPr lang="en-US" b="1" dirty="0" smtClean="0"/>
+              <a:t>No extra hardware</a:t>
+            </a:r>
+            <a:r>
+              <a:rPr lang="en-US" dirty="0" smtClean="0"/>
+              <a:t> required.</a:t>
+            </a:r>
+          </a:p>
+          <a:p>
+            <a:pPr marL="457200" indent="-457200" algn="l">
+              <a:buFont typeface="+mj-lt"/>
+              <a:buAutoNum type="arabicPeriod"/>
+            </a:pPr>
+            <a:r>
+              <a:rPr lang="en-US" dirty="0" smtClean="0"/>
+              <a:t>The SMS processing backend is lightweight and </a:t>
+            </a:r>
+            <a:r>
+              <a:rPr lang="en-US" b="1" dirty="0" smtClean="0"/>
+              <a:t>extremely scalable</a:t>
+            </a:r>
+            <a:r>
+              <a:rPr lang="en-US" dirty="0" smtClean="0"/>
+              <a:t>.</a:t>
+            </a:r>
+          </a:p>
+          <a:p>
+            <a:pPr marL="457200" indent="-457200" algn="l">
+              <a:buFont typeface="+mj-lt"/>
+              <a:buAutoNum type="arabicPeriod"/>
+            </a:pPr>
+            <a:r>
+              <a:rPr lang="en-US" dirty="0" smtClean="0"/>
+              <a:t>Emergency messages reaches authorities within </a:t>
+            </a:r>
+            <a:r>
+              <a:rPr lang="en-US" b="1" dirty="0" smtClean="0"/>
+              <a:t>40 seconds </a:t>
+            </a:r>
+            <a:r>
+              <a:rPr lang="en-US" dirty="0" smtClean="0"/>
+              <a:t>of pushing button.</a:t>
+            </a:r>
+            <a:endParaRPr lang="en-US" dirty="0"/>
+          </a:p>
+        </p:txBody>
+      </p:sp>
+    </p:spTree>
+    <p:extLst>
+      <p:ext uri="{BB962C8B-B14F-4D97-AF65-F5344CB8AC3E}">
+        <p14:creationId xmlns:p14="http://schemas.microsoft.com/office/powerpoint/2010/main" val="776417055"/>
+      </p:ext>
+    </p:extLst>
+  </p:cSld>
+  <p:clrMapOvr>
+    <a:masterClrMapping/>
+  </p:clrMapOvr>
+  <p:timing>
+    <p:tnLst>
+      <p:par>
+        <p:cTn id="1" dur="indefinite" restart="never" nodeType="tmRoot"/>
+      </p:par>
+    </p:tnLst>
+  </p:timing>
+</p:sld>
+</file>
+
+<file path=ppt/slides/slide14.xml><?xml version="1.0" encoding="utf-8"?>
+<p:sld xmlns:a="http://schemas.openxmlformats.org/drawingml/2006/main" xmlns:r="http://schemas.openxmlformats.org/officeDocument/2006/relationships" xmlns:p="http://schemas.openxmlformats.org/presentationml/2006/main">
+  <p:cSld>
+    <p:spTree>
+      <p:nvGrpSpPr>
+        <p:cNvPr id="1" name=""/>
+        <p:cNvGrpSpPr/>
+        <p:nvPr/>
+      </p:nvGrpSpPr>
+      <p:grpSpPr>
+        <a:xfrm>
+          <a:off x="0" y="0"/>
+          <a:ext cx="0" cy="0"/>
+          <a:chOff x="0" y="0"/>
+          <a:chExt cx="0" cy="0"/>
+        </a:xfrm>
+      </p:grpSpPr>
+      <p:sp>
+        <p:nvSpPr>
+          <p:cNvPr id="2" name="Title 1"/>
+          <p:cNvSpPr>
+            <a:spLocks noGrp="1"/>
+          </p:cNvSpPr>
+          <p:nvPr>
+            <p:ph type="ctrTitle"/>
+          </p:nvPr>
+        </p:nvSpPr>
+        <p:spPr>
+          <a:xfrm>
+            <a:off x="609600" y="228600"/>
+            <a:ext cx="7543800" cy="990599"/>
+          </a:xfrm>
+        </p:spPr>
+        <p:txBody>
+          <a:bodyPr/>
+          <a:lstStyle/>
+          <a:p>
+            <a:r>
+              <a:rPr lang="en-US" sz="4000" dirty="0" smtClean="0"/>
+              <a:t>Emergency Response System</a:t>
+            </a:r>
+            <a:endParaRPr lang="en-US" sz="4000" dirty="0"/>
+          </a:p>
+        </p:txBody>
+      </p:sp>
+      <p:sp>
+        <p:nvSpPr>
+          <p:cNvPr id="3" name="Subtitle 2"/>
+          <p:cNvSpPr>
+            <a:spLocks noGrp="1"/>
+          </p:cNvSpPr>
+          <p:nvPr>
+            <p:ph type="subTitle" idx="1"/>
+          </p:nvPr>
+        </p:nvSpPr>
+        <p:spPr>
+          <a:xfrm>
+            <a:off x="1066800" y="1447800"/>
+            <a:ext cx="6858000" cy="4724400"/>
+          </a:xfrm>
+        </p:spPr>
+        <p:txBody>
+          <a:bodyPr/>
+          <a:lstStyle/>
+          <a:p>
+            <a:pPr algn="l"/>
+            <a:endParaRPr lang="en-US" dirty="0"/>
+          </a:p>
+        </p:txBody>
+      </p:sp>
+      <p:pic>
+        <p:nvPicPr>
+          <p:cNvPr id="1026" name="Picture 2" descr="E:\Dropbox\Code\Emergency-Response-System\presentation\720px-Arduino_Logo.svg.png"/>
+          <p:cNvPicPr>
+            <a:picLocks noChangeAspect="1" noChangeArrowheads="1"/>
+          </p:cNvPicPr>
+          <p:nvPr/>
+        </p:nvPicPr>
+        <p:blipFill>
+          <a:blip r:embed="rId2" cstate="print">
+            <a:extLst>
+              <a:ext uri="{28A0092B-C50C-407E-A947-70E740481C1C}">
+                <a14:useLocalDpi xmlns:a14="http://schemas.microsoft.com/office/drawing/2010/main" val="0"/>
+              </a:ext>
+            </a:extLst>
+          </a:blip>
+          <a:srcRect/>
+          <a:stretch>
+            <a:fillRect/>
+          </a:stretch>
+        </p:blipFill>
+        <p:spPr bwMode="auto">
+          <a:xfrm>
+            <a:off x="1371601" y="1622655"/>
+            <a:ext cx="2094384" cy="1425345"/>
+          </a:xfrm>
+          <a:prstGeom prst="rect">
+            <a:avLst/>
+          </a:prstGeom>
+          <a:noFill/>
+          <a:extLst>
+            <a:ext uri="{909E8E84-426E-40DD-AFC4-6F175D3DCCD1}">
+              <a14:hiddenFill xmlns:a14="http://schemas.microsoft.com/office/drawing/2010/main">
+                <a:solidFill>
+                  <a:srgbClr val="FFFFFF"/>
+                </a:solidFill>
+              </a14:hiddenFill>
+            </a:ext>
+          </a:extLst>
+        </p:spPr>
+      </p:pic>
+      <p:pic>
+        <p:nvPicPr>
+          <p:cNvPr id="1027" name="Picture 3" descr="E:\Dropbox\Code\Emergency-Response-System\presentation\twitter-bootstrap.jpg"/>
+          <p:cNvPicPr>
+            <a:picLocks noChangeAspect="1" noChangeArrowheads="1"/>
+          </p:cNvPicPr>
+          <p:nvPr/>
+        </p:nvPicPr>
+        <p:blipFill>
+          <a:blip r:embed="rId3">
+            <a:extLst>
+              <a:ext uri="{28A0092B-C50C-407E-A947-70E740481C1C}">
+                <a14:useLocalDpi xmlns:a14="http://schemas.microsoft.com/office/drawing/2010/main" val="0"/>
+              </a:ext>
+            </a:extLst>
+          </a:blip>
+          <a:srcRect/>
+          <a:stretch>
+            <a:fillRect/>
+          </a:stretch>
+        </p:blipFill>
+        <p:spPr bwMode="auto">
+          <a:xfrm>
+            <a:off x="4953000" y="1622655"/>
+            <a:ext cx="2381250" cy="1333500"/>
+          </a:xfrm>
+          <a:prstGeom prst="rect">
+            <a:avLst/>
+          </a:prstGeom>
+          <a:noFill/>
+          <a:extLst>
+            <a:ext uri="{909E8E84-426E-40DD-AFC4-6F175D3DCCD1}">
+              <a14:hiddenFill xmlns:a14="http://schemas.microsoft.com/office/drawing/2010/main">
+                <a:solidFill>
+                  <a:srgbClr val="FFFFFF"/>
+                </a:solidFill>
+              </a14:hiddenFill>
+            </a:ext>
+          </a:extLst>
+        </p:spPr>
+      </p:pic>
+      <p:pic>
+        <p:nvPicPr>
+          <p:cNvPr id="1028" name="Picture 4" descr="E:\Dropbox\Code\Emergency-Response-System\presentation\Express - node.png"/>
+          <p:cNvPicPr>
+            <a:picLocks noChangeAspect="1" noChangeArrowheads="1"/>
+          </p:cNvPicPr>
+          <p:nvPr/>
+        </p:nvPicPr>
+        <p:blipFill>
+          <a:blip r:embed="rId4">
+            <a:extLst>
+              <a:ext uri="{28A0092B-C50C-407E-A947-70E740481C1C}">
+                <a14:useLocalDpi xmlns:a14="http://schemas.microsoft.com/office/drawing/2010/main" val="0"/>
+              </a:ext>
+            </a:extLst>
+          </a:blip>
+          <a:srcRect/>
+          <a:stretch>
+            <a:fillRect/>
+          </a:stretch>
+        </p:blipFill>
+        <p:spPr bwMode="auto">
+          <a:xfrm>
+            <a:off x="1219200" y="4876800"/>
+            <a:ext cx="3267075" cy="733425"/>
+          </a:xfrm>
+          <a:prstGeom prst="rect">
+            <a:avLst/>
+          </a:prstGeom>
+          <a:noFill/>
+          <a:extLst>
+            <a:ext uri="{909E8E84-426E-40DD-AFC4-6F175D3DCCD1}">
+              <a14:hiddenFill xmlns:a14="http://schemas.microsoft.com/office/drawing/2010/main">
+                <a:solidFill>
+                  <a:srgbClr val="FFFFFF"/>
+                </a:solidFill>
+              </a14:hiddenFill>
+            </a:ext>
+          </a:extLst>
+        </p:spPr>
+      </p:pic>
+      <p:pic>
+        <p:nvPicPr>
+          <p:cNvPr id="1029" name="Picture 5" descr="E:\Dropbox\Code\Emergency-Response-System\presentation\node.png"/>
+          <p:cNvPicPr>
+            <a:picLocks noChangeAspect="1" noChangeArrowheads="1"/>
+          </p:cNvPicPr>
+          <p:nvPr/>
+        </p:nvPicPr>
+        <p:blipFill>
+          <a:blip r:embed="rId5">
+            <a:extLst>
+              <a:ext uri="{28A0092B-C50C-407E-A947-70E740481C1C}">
+                <a14:useLocalDpi xmlns:a14="http://schemas.microsoft.com/office/drawing/2010/main" val="0"/>
+              </a:ext>
+            </a:extLst>
+          </a:blip>
+          <a:srcRect/>
+          <a:stretch>
+            <a:fillRect/>
+          </a:stretch>
+        </p:blipFill>
+        <p:spPr bwMode="auto">
+          <a:xfrm>
+            <a:off x="4724400" y="4541111"/>
+            <a:ext cx="2971800" cy="1047750"/>
+          </a:xfrm>
+          <a:prstGeom prst="rect">
+            <a:avLst/>
+          </a:prstGeom>
+          <a:noFill/>
+          <a:extLst>
+            <a:ext uri="{909E8E84-426E-40DD-AFC4-6F175D3DCCD1}">
+              <a14:hiddenFill xmlns:a14="http://schemas.microsoft.com/office/drawing/2010/main">
+                <a:solidFill>
+                  <a:srgbClr val="FFFFFF"/>
+                </a:solidFill>
+              </a14:hiddenFill>
+            </a:ext>
+          </a:extLst>
+        </p:spPr>
+      </p:pic>
+      <p:pic>
+        <p:nvPicPr>
+          <p:cNvPr id="1030" name="Picture 6" descr="E:\Dropbox\Code\Emergency-Response-System\presentation\android_vector.jpg"/>
+          <p:cNvPicPr>
+            <a:picLocks noChangeAspect="1" noChangeArrowheads="1"/>
+          </p:cNvPicPr>
+          <p:nvPr/>
+        </p:nvPicPr>
+        <p:blipFill>
+          <a:blip r:embed="rId6" cstate="print">
+            <a:extLst>
+              <a:ext uri="{28A0092B-C50C-407E-A947-70E740481C1C}">
+                <a14:useLocalDpi xmlns:a14="http://schemas.microsoft.com/office/drawing/2010/main" val="0"/>
+              </a:ext>
+            </a:extLst>
+          </a:blip>
+          <a:srcRect/>
+          <a:stretch>
+            <a:fillRect/>
+          </a:stretch>
+        </p:blipFill>
+        <p:spPr bwMode="auto">
+          <a:xfrm>
+            <a:off x="3200400" y="3078071"/>
+            <a:ext cx="1950720" cy="1463040"/>
+          </a:xfrm>
+          <a:prstGeom prst="rect">
+            <a:avLst/>
+          </a:prstGeom>
+          <a:noFill/>
+          <a:extLst>
+            <a:ext uri="{909E8E84-426E-40DD-AFC4-6F175D3DCCD1}">
+              <a14:hiddenFill xmlns:a14="http://schemas.microsoft.com/office/drawing/2010/main">
+                <a:solidFill>
+                  <a:srgbClr val="FFFFFF"/>
+                </a:solidFill>
+              </a14:hiddenFill>
+            </a:ext>
+          </a:extLst>
+        </p:spPr>
+      </p:pic>
+    </p:spTree>
+    <p:extLst>
+      <p:ext uri="{BB962C8B-B14F-4D97-AF65-F5344CB8AC3E}">
+        <p14:creationId xmlns:p14="http://schemas.microsoft.com/office/powerpoint/2010/main" val="3228937505"/>
       </p:ext>
     </p:extLst>
   </p:cSld>
@@ -3651,11 +4655,7 @@
           <a:p>
             <a:r>
               <a:rPr lang="en-US" sz="4000" dirty="0" smtClean="0"/>
-              <a:t>Emergency Response System - </a:t>
-            </a:r>
-            <a:r>
-              <a:rPr lang="en-US" sz="4000" dirty="0" smtClean="0"/>
-              <a:t>Motivation</a:t>
+              <a:t>Emergency Response System - Motivation</a:t>
             </a:r>
             <a:endParaRPr lang="en-US" sz="4000" dirty="0"/>
           </a:p>
@@ -4542,11 +5542,7 @@
           <a:p>
             <a:r>
               <a:rPr lang="en-US" sz="4000" dirty="0" smtClean="0"/>
-              <a:t>Emergency Response System - </a:t>
-            </a:r>
-            <a:r>
-              <a:rPr lang="en-US" sz="4000" dirty="0" smtClean="0"/>
-              <a:t>Usage</a:t>
+              <a:t>Emergency Response System - Usage</a:t>
             </a:r>
             <a:endParaRPr lang="en-US" sz="4000" dirty="0"/>
           </a:p>
@@ -4674,11 +5670,7 @@
           <a:p>
             <a:r>
               <a:rPr lang="en-US" sz="4000" dirty="0" smtClean="0"/>
-              <a:t>Emergency Response System - </a:t>
-            </a:r>
-            <a:r>
-              <a:rPr lang="en-US" sz="4000" dirty="0" smtClean="0"/>
-              <a:t>Usage</a:t>
+              <a:t>Emergency Response System - Usage</a:t>
             </a:r>
             <a:endParaRPr lang="en-US" sz="4000" dirty="0"/>
           </a:p>

--- a/presentation/Emergency Response System.pptx
+++ b/presentation/Emergency Response System.pptx
@@ -17,8 +17,7 @@
     <p:sldId id="266" r:id="rId11"/>
     <p:sldId id="263" r:id="rId12"/>
     <p:sldId id="268" r:id="rId13"/>
-    <p:sldId id="269" r:id="rId14"/>
-    <p:sldId id="267" r:id="rId15"/>
+    <p:sldId id="267" r:id="rId14"/>
   </p:sldIdLst>
   <p:sldSz cx="9144000" cy="6858000" type="screen4x3"/>
   <p:notesSz cx="6858000" cy="9144000"/>
@@ -300,11 +299,11 @@
         </c:dLbls>
         <c:marker val="1"/>
         <c:smooth val="0"/>
-        <c:axId val="81377536"/>
-        <c:axId val="54071296"/>
+        <c:axId val="77107200"/>
+        <c:axId val="77109504"/>
       </c:lineChart>
       <c:catAx>
-        <c:axId val="81377536"/>
+        <c:axId val="77107200"/>
         <c:scaling>
           <c:orientation val="minMax"/>
         </c:scaling>
@@ -313,7 +312,7 @@
         <c:majorTickMark val="none"/>
         <c:minorTickMark val="none"/>
         <c:tickLblPos val="nextTo"/>
-        <c:crossAx val="54071296"/>
+        <c:crossAx val="77109504"/>
         <c:crosses val="autoZero"/>
         <c:auto val="1"/>
         <c:lblAlgn val="ctr"/>
@@ -321,7 +320,7 @@
         <c:noMultiLvlLbl val="0"/>
       </c:catAx>
       <c:valAx>
-        <c:axId val="54071296"/>
+        <c:axId val="77109504"/>
         <c:scaling>
           <c:orientation val="minMax"/>
         </c:scaling>
@@ -356,7 +355,7 @@
         <c:majorTickMark val="none"/>
         <c:minorTickMark val="none"/>
         <c:tickLblPos val="nextTo"/>
-        <c:crossAx val="81377536"/>
+        <c:crossAx val="77107200"/>
         <c:crosses val="autoZero"/>
         <c:crossBetween val="between"/>
       </c:valAx>
@@ -3871,11 +3870,7 @@
           <a:p>
             <a:r>
               <a:rPr lang="en-US" sz="4000" dirty="0" smtClean="0"/>
-              <a:t>Emergency Response </a:t>
-            </a:r>
-            <a:r>
-              <a:rPr lang="en-US" sz="4000" dirty="0" smtClean="0"/>
-              <a:t>System – Location Detection</a:t>
+              <a:t>Emergency Response System – Location Detection</a:t>
             </a:r>
             <a:endParaRPr lang="en-US" sz="4000" dirty="0"/>
           </a:p>
@@ -4195,161 +4190,6 @@
         </p:nvSpPr>
         <p:spPr>
           <a:xfrm>
-            <a:off x="685800" y="609601"/>
-            <a:ext cx="7543800" cy="990599"/>
-          </a:xfrm>
-        </p:spPr>
-        <p:txBody>
-          <a:bodyPr/>
-          <a:lstStyle/>
-          <a:p>
-            <a:r>
-              <a:rPr lang="en-US" sz="4000" dirty="0" smtClean="0"/>
-              <a:t>Emergency Response System</a:t>
-            </a:r>
-            <a:endParaRPr lang="en-US" sz="4000" dirty="0"/>
-          </a:p>
-        </p:txBody>
-      </p:sp>
-      <p:sp>
-        <p:nvSpPr>
-          <p:cNvPr id="3" name="Subtitle 2"/>
-          <p:cNvSpPr>
-            <a:spLocks noGrp="1"/>
-          </p:cNvSpPr>
-          <p:nvPr>
-            <p:ph type="subTitle" idx="1"/>
-          </p:nvPr>
-        </p:nvSpPr>
-        <p:spPr>
-          <a:xfrm>
-            <a:off x="1219200" y="1981200"/>
-            <a:ext cx="6705600" cy="4191000"/>
-          </a:xfrm>
-        </p:spPr>
-        <p:txBody>
-          <a:bodyPr/>
-          <a:lstStyle/>
-          <a:p>
-            <a:pPr marL="457200" indent="-457200" algn="l">
-              <a:buFont typeface="+mj-lt"/>
-              <a:buAutoNum type="arabicPeriod"/>
-            </a:pPr>
-            <a:r>
-              <a:rPr lang="en-US" dirty="0" smtClean="0"/>
-              <a:t>System cost was around </a:t>
-            </a:r>
-            <a:r>
-              <a:rPr lang="en-US" b="1" dirty="0" smtClean="0"/>
-              <a:t>60$</a:t>
-            </a:r>
-          </a:p>
-          <a:p>
-            <a:pPr marL="457200" indent="-457200" algn="l">
-              <a:buFont typeface="+mj-lt"/>
-              <a:buAutoNum type="arabicPeriod"/>
-            </a:pPr>
-            <a:r>
-              <a:rPr lang="en-US" dirty="0" smtClean="0"/>
-              <a:t>Everyone uses mobile phones these days. </a:t>
-            </a:r>
-            <a:r>
-              <a:rPr lang="en-US" b="1" dirty="0" smtClean="0"/>
-              <a:t>No extra hardware</a:t>
-            </a:r>
-            <a:r>
-              <a:rPr lang="en-US" dirty="0" smtClean="0"/>
-              <a:t> required.</a:t>
-            </a:r>
-          </a:p>
-          <a:p>
-            <a:pPr marL="457200" indent="-457200" algn="l">
-              <a:buFont typeface="+mj-lt"/>
-              <a:buAutoNum type="arabicPeriod"/>
-            </a:pPr>
-            <a:r>
-              <a:rPr lang="en-US" dirty="0" smtClean="0"/>
-              <a:t>The SMS processing backend is lightweight and </a:t>
-            </a:r>
-            <a:r>
-              <a:rPr lang="en-US" b="1" dirty="0" smtClean="0"/>
-              <a:t>extremely scalable</a:t>
-            </a:r>
-            <a:r>
-              <a:rPr lang="en-US" dirty="0" smtClean="0"/>
-              <a:t>.</a:t>
-            </a:r>
-          </a:p>
-          <a:p>
-            <a:pPr marL="457200" indent="-457200" algn="l">
-              <a:buFont typeface="+mj-lt"/>
-              <a:buAutoNum type="arabicPeriod"/>
-            </a:pPr>
-            <a:r>
-              <a:rPr lang="en-US" dirty="0" smtClean="0"/>
-              <a:t>Emergency messages reaches authorities within </a:t>
-            </a:r>
-            <a:r>
-              <a:rPr lang="en-US" b="1" dirty="0" smtClean="0"/>
-              <a:t>40 seconds </a:t>
-            </a:r>
-            <a:r>
-              <a:rPr lang="en-US" dirty="0" smtClean="0"/>
-              <a:t>of pushing button.</a:t>
-            </a:r>
-            <a:endParaRPr lang="en-US" dirty="0"/>
-          </a:p>
-        </p:txBody>
-      </p:sp>
-    </p:spTree>
-    <p:extLst>
-      <p:ext uri="{BB962C8B-B14F-4D97-AF65-F5344CB8AC3E}">
-        <p14:creationId xmlns:p14="http://schemas.microsoft.com/office/powerpoint/2010/main" val="776417055"/>
-      </p:ext>
-    </p:extLst>
-  </p:cSld>
-  <p:clrMapOvr>
-    <a:masterClrMapping/>
-  </p:clrMapOvr>
-  <p:timing>
-    <p:tnLst>
-      <p:par>
-        <p:cTn id="1" dur="indefinite" restart="never" nodeType="tmRoot"/>
-      </p:par>
-    </p:tnLst>
-  </p:timing>
-</p:sld>
-</file>
-
-<file path=ppt/slides/slide14.xml><?xml version="1.0" encoding="utf-8"?>
-<p:sld xmlns:a="http://schemas.openxmlformats.org/drawingml/2006/main" xmlns:r="http://schemas.openxmlformats.org/officeDocument/2006/relationships" xmlns:p="http://schemas.openxmlformats.org/presentationml/2006/main">
-  <p:cSld>
-    <p:spTree>
-      <p:nvGrpSpPr>
-        <p:cNvPr id="1" name=""/>
-        <p:cNvGrpSpPr/>
-        <p:nvPr/>
-      </p:nvGrpSpPr>
-      <p:grpSpPr>
-        <a:xfrm>
-          <a:off x="0" y="0"/>
-          <a:ext cx="0" cy="0"/>
-          <a:chOff x="0" y="0"/>
-          <a:chExt cx="0" cy="0"/>
-        </a:xfrm>
-      </p:grpSpPr>
-      <p:sp>
-        <p:nvSpPr>
-          <p:cNvPr id="2" name="Title 1"/>
-          <p:cNvSpPr>
-            <a:spLocks noGrp="1"/>
-          </p:cNvSpPr>
-          <p:nvPr>
-            <p:ph type="ctrTitle"/>
-          </p:nvPr>
-        </p:nvSpPr>
-        <p:spPr>
-          <a:xfrm>
             <a:off x="609600" y="228600"/>
             <a:ext cx="7543800" cy="990599"/>
           </a:xfrm>
@@ -5144,7 +4984,7 @@
       </p:sp>
       <p:pic>
         <p:nvPicPr>
-          <p:cNvPr id="2050" name="Picture 2" descr="E:\Dropbox\Code\Emergency-Response-System\presentation\Screenshot_2013-12-05-21-36-09.png"/>
+          <p:cNvPr id="1026" name="Picture 2" descr="E:\Dropbox\Code\Emergency-Response-System\presentation\Screenshot_2013-12-05-21-36-09.png"/>
           <p:cNvPicPr>
             <a:picLocks noChangeAspect="1" noChangeArrowheads="1"/>
           </p:cNvPicPr>
@@ -5165,7 +5005,7 @@
         </p:blipFill>
         <p:spPr bwMode="auto">
           <a:xfrm>
-            <a:off x="3581400" y="2590800"/>
+            <a:off x="3429000" y="2554480"/>
             <a:ext cx="2240280" cy="3733800"/>
           </a:xfrm>
           <a:prstGeom prst="rect">
